--- a/week_12/week_12.pptx
+++ b/week_12/week_12.pptx
@@ -214,7 +214,7 @@
           <a:p>
             <a:fld id="{A756DEA0-F944-5946-9B95-BC7B5255CD05}" type="datetimeFigureOut">
               <a:rPr lang="en-US" smtClean="0"/>
-              <a:t>4/13/16</a:t>
+              <a:t>4/15/16</a:t>
             </a:fld>
             <a:endParaRPr lang="en-US"/>
           </a:p>
@@ -1742,7 +1742,7 @@
           <a:p>
             <a:fld id="{9E016143-E03C-4CFD-AFDC-14E5BDEA754C}" type="datetimeFigureOut">
               <a:rPr lang="en-US" dirty="0"/>
-              <a:t>4/13/16</a:t>
+              <a:t>4/15/16</a:t>
             </a:fld>
             <a:endParaRPr lang="en-US" dirty="0"/>
           </a:p>
@@ -1966,7 +1966,7 @@
           <a:p>
             <a:fld id="{C033E54A-A8CA-48C1-9504-691B58049D29}" type="datetimeFigureOut">
               <a:rPr lang="en-US" dirty="0"/>
-              <a:t>4/13/16</a:t>
+              <a:t>4/15/16</a:t>
             </a:fld>
             <a:endParaRPr lang="en-US" dirty="0"/>
           </a:p>
@@ -2141,7 +2141,7 @@
           <a:p>
             <a:fld id="{B5F6C806-BBF7-471C-9527-881CE2266695}" type="datetimeFigureOut">
               <a:rPr lang="en-US" dirty="0"/>
-              <a:t>4/13/16</a:t>
+              <a:t>4/15/16</a:t>
             </a:fld>
             <a:endParaRPr lang="en-US" dirty="0"/>
           </a:p>
@@ -2306,7 +2306,7 @@
           <a:p>
             <a:fld id="{78C94063-DF36-4330-A365-08DA1FA5B7D6}" type="datetimeFigureOut">
               <a:rPr lang="en-US" dirty="0"/>
-              <a:t>4/13/16</a:t>
+              <a:t>4/15/16</a:t>
             </a:fld>
             <a:endParaRPr lang="en-US" dirty="0"/>
           </a:p>
@@ -2555,7 +2555,7 @@
           <a:p>
             <a:fld id="{908A7C6C-0F39-4D70-8E8D-FE5B9C95FA73}" type="datetimeFigureOut">
               <a:rPr lang="en-US" dirty="0"/>
-              <a:t>4/13/16</a:t>
+              <a:t>4/15/16</a:t>
             </a:fld>
             <a:endParaRPr lang="en-US" dirty="0"/>
           </a:p>
@@ -2876,7 +2876,7 @@
           <a:p>
             <a:fld id="{DFCFA4AC-08CC-42CE-BD01-C191750A04EC}" type="datetimeFigureOut">
               <a:rPr lang="en-US" dirty="0"/>
-              <a:t>4/13/16</a:t>
+              <a:t>4/15/16</a:t>
             </a:fld>
             <a:endParaRPr lang="en-US" dirty="0"/>
           </a:p>
@@ -3322,7 +3322,7 @@
           <a:p>
             <a:fld id="{1BA7A723-92A7-435B-B681-F25B092FEFEB}" type="datetimeFigureOut">
               <a:rPr lang="en-US" dirty="0"/>
-              <a:t>4/13/16</a:t>
+              <a:t>4/15/16</a:t>
             </a:fld>
             <a:endParaRPr lang="en-US" dirty="0"/>
           </a:p>
@@ -3435,7 +3435,7 @@
           <a:p>
             <a:fld id="{4F170639-886C-4FCF-9EAB-ABB5DA3F3F4A}" type="datetimeFigureOut">
               <a:rPr lang="en-US" dirty="0"/>
-              <a:t>4/13/16</a:t>
+              <a:t>4/15/16</a:t>
             </a:fld>
             <a:endParaRPr lang="en-US" dirty="0"/>
           </a:p>
@@ -3525,7 +3525,7 @@
           <a:p>
             <a:fld id="{22230651-31F4-45D2-98AE-A2108F41BC07}" type="datetimeFigureOut">
               <a:rPr lang="en-US" dirty="0"/>
-              <a:t>4/13/16</a:t>
+              <a:t>4/15/16</a:t>
             </a:fld>
             <a:endParaRPr lang="en-US" dirty="0"/>
           </a:p>
@@ -3807,7 +3807,7 @@
           <a:p>
             <a:fld id="{6F53789A-C914-4DB1-8815-80B5EC7335C5}" type="datetimeFigureOut">
               <a:rPr lang="en-US" dirty="0"/>
-              <a:t>4/13/16</a:t>
+              <a:t>4/15/16</a:t>
             </a:fld>
             <a:endParaRPr lang="en-US" dirty="0"/>
           </a:p>
@@ -4127,7 +4127,7 @@
           <a:p>
             <a:fld id="{5E6440AA-91A0-436F-8FDB-C0F939DCAE21}" type="datetimeFigureOut">
               <a:rPr lang="en-US" dirty="0"/>
-              <a:t>4/13/16</a:t>
+              <a:t>4/15/16</a:t>
             </a:fld>
             <a:endParaRPr lang="en-US" dirty="0"/>
           </a:p>
@@ -4376,7 +4376,7 @@
           <a:p>
             <a:fld id="{0E59FD0C-5451-4CA0-86AF-E70AE3279989}" type="datetimeFigureOut">
               <a:rPr lang="en-US" dirty="0"/>
-              <a:t>4/13/16</a:t>
+              <a:t>4/15/16</a:t>
             </a:fld>
             <a:endParaRPr lang="en-US" dirty="0"/>
           </a:p>
@@ -4901,26 +4901,13 @@
           <a:p>
             <a:r>
               <a:rPr lang="en-US" dirty="0" smtClean="0"/>
-              <a:t>Week </a:t>
-            </a:r>
+              <a:t>Week 12: Generics</a:t>
+            </a:r>
+          </a:p>
+          <a:p>
             <a:r>
               <a:rPr lang="en-US" dirty="0" smtClean="0"/>
-              <a:t>12: Generics</a:t>
-            </a:r>
-            <a:endParaRPr lang="en-US" dirty="0" smtClean="0"/>
-          </a:p>
-          <a:p>
-            <a:r>
-              <a:rPr lang="en-US" dirty="0" smtClean="0"/>
-              <a:t>April </a:t>
-            </a:r>
-            <a:r>
-              <a:rPr lang="en-US" dirty="0" smtClean="0"/>
-              <a:t>14, </a:t>
-            </a:r>
-            <a:r>
-              <a:rPr lang="en-US" dirty="0" smtClean="0"/>
-              <a:t>2016</a:t>
+              <a:t>April 14, 2016</a:t>
             </a:r>
             <a:endParaRPr lang="en-US" dirty="0"/>
           </a:p>
@@ -4973,11 +4960,7 @@
           <a:p>
             <a:r>
               <a:rPr lang="en-US" dirty="0" smtClean="0"/>
-              <a:t>Kinds of Actual Type Arguments</a:t>
-            </a:r>
-            <a:r>
-              <a:rPr lang="en-US" dirty="0" smtClean="0"/>
-              <a:t>	</a:t>
+              <a:t>Kinds of Actual Type Arguments	</a:t>
             </a:r>
             <a:endParaRPr lang="en-US" dirty="0"/>
           </a:p>
@@ -5124,12 +5107,8 @@
               <a:t>, is used to indicate that the type is </a:t>
             </a:r>
             <a:r>
-              <a:rPr lang="en-US" sz="3000" dirty="0" err="1" smtClean="0"/>
-              <a:t>unknow</a:t>
-            </a:r>
-            <a:r>
-              <a:rPr lang="en-US" sz="3000" dirty="0"/>
-              <a:t> </a:t>
+              <a:rPr lang="en-US" sz="3000" dirty="0" smtClean="0"/>
+              <a:t>unknown </a:t>
             </a:r>
             <a:r>
               <a:rPr lang="en-US" sz="3000" dirty="0" smtClean="0"/>
@@ -5202,11 +5181,7 @@
           <a:p>
             <a:r>
               <a:rPr lang="en-US" dirty="0" smtClean="0"/>
-              <a:t>Generic Types</a:t>
-            </a:r>
-            <a:r>
-              <a:rPr lang="en-US" dirty="0" smtClean="0"/>
-              <a:t>	</a:t>
+              <a:t>Generic Types	</a:t>
             </a:r>
             <a:endParaRPr lang="en-US" dirty="0"/>
           </a:p>
@@ -5257,7 +5232,15 @@
           <a:p>
             <a:r>
               <a:rPr lang="en-US" sz="3000" dirty="0" smtClean="0"/>
-              <a:t>Can be used but doe not have type safety checks</a:t>
+              <a:t>Can be used but </a:t>
+            </a:r>
+            <a:r>
+              <a:rPr lang="en-US" sz="3000" dirty="0" smtClean="0"/>
+              <a:t>does </a:t>
+            </a:r>
+            <a:r>
+              <a:rPr lang="en-US" sz="3000" dirty="0" smtClean="0"/>
+              <a:t>not have type safety checks</a:t>
             </a:r>
           </a:p>
         </p:txBody>
@@ -5334,11 +5317,7 @@
           <a:p>
             <a:r>
               <a:rPr lang="en-US" sz="3000" dirty="0" smtClean="0"/>
-              <a:t>To declar</a:t>
-            </a:r>
-            <a:r>
-              <a:rPr lang="en-US" sz="3000" dirty="0" smtClean="0"/>
-              <a:t>e a generic type, specify a formal type parameter list when declaring a class or interface and make use of them in the implementation</a:t>
+              <a:t>To declare a generic type, specify a formal type parameter list when declaring a class or interface and make use of them in the implementation</a:t>
             </a:r>
           </a:p>
         </p:txBody>
@@ -5528,7 +5507,6 @@
               <a:rPr lang="en-US" sz="3000" dirty="0" smtClean="0"/>
               <a:t>Type parameter’s scope is the entire corresponding class unless the type parameter is masked. </a:t>
             </a:r>
-            <a:endParaRPr lang="en-US" sz="3000" dirty="0" smtClean="0"/>
           </a:p>
         </p:txBody>
       </p:sp>
@@ -5961,14 +5939,6 @@
               </a:rPr>
               <a:t>}</a:t>
             </a:r>
-            <a:endParaRPr lang="en-US" sz="2400" dirty="0" smtClean="0">
-              <a:solidFill>
-                <a:srgbClr val="FF0000"/>
-              </a:solidFill>
-              <a:latin typeface="Consolas" charset="0"/>
-              <a:ea typeface="Consolas" charset="0"/>
-              <a:cs typeface="Consolas" charset="0"/>
-            </a:endParaRPr>
           </a:p>
         </p:txBody>
       </p:sp>
@@ -6713,11 +6683,7 @@
             </a:r>
             <a:r>
               <a:rPr lang="en-US" sz="2800" dirty="0" smtClean="0"/>
-              <a:t>, pp. </a:t>
-            </a:r>
-            <a:r>
-              <a:rPr lang="en-US" sz="2800" dirty="0" smtClean="0"/>
-              <a:t>255-273</a:t>
+              <a:t>, pp. 255-273</a:t>
             </a:r>
             <a:endParaRPr lang="en-US" sz="2800" i="1" dirty="0"/>
           </a:p>
@@ -6928,11 +6894,7 @@
           <a:p>
             <a:r>
               <a:rPr lang="en-US" dirty="0" smtClean="0"/>
-              <a:t>Collections Framework</a:t>
-            </a:r>
-            <a:r>
-              <a:rPr lang="en-US" dirty="0" smtClean="0"/>
-              <a:t>	</a:t>
+              <a:t>Collections Framework	</a:t>
             </a:r>
             <a:endParaRPr lang="en-US" dirty="0"/>
           </a:p>
@@ -7063,11 +7025,7 @@
           <a:p>
             <a:r>
               <a:rPr lang="en-US" dirty="0" smtClean="0"/>
-              <a:t>Generic Types</a:t>
-            </a:r>
-            <a:r>
-              <a:rPr lang="en-US" dirty="0" smtClean="0"/>
-              <a:t>	</a:t>
+              <a:t>Generic Types	</a:t>
             </a:r>
             <a:endParaRPr lang="en-US" dirty="0"/>
           </a:p>
@@ -7122,7 +7080,6 @@
               <a:rPr lang="en-US" sz="3000" dirty="0" smtClean="0"/>
               <a:t>Imposes type safety checks to detect violations at compile time rather than runtime.</a:t>
             </a:r>
-            <a:endParaRPr lang="en-US" sz="3000" dirty="0" smtClean="0"/>
           </a:p>
         </p:txBody>
       </p:sp>
@@ -7173,11 +7130,7 @@
           <a:p>
             <a:r>
               <a:rPr lang="en-US" dirty="0" smtClean="0"/>
-              <a:t>Generic Types</a:t>
-            </a:r>
-            <a:r>
-              <a:rPr lang="en-US" dirty="0" smtClean="0"/>
-              <a:t>	</a:t>
+              <a:t>Generic Types	</a:t>
             </a:r>
             <a:endParaRPr lang="en-US" dirty="0"/>
           </a:p>
@@ -7268,7 +7221,18 @@
                 <a:ea typeface="Consolas" charset="0"/>
                 <a:cs typeface="Consolas" charset="0"/>
               </a:rPr>
-              <a:t>interface identifier&gt;</a:t>
+              <a:t>interface </a:t>
+            </a:r>
+            <a:r>
+              <a:rPr lang="en-US" sz="2800" dirty="0" smtClean="0">
+                <a:solidFill>
+                  <a:srgbClr val="FF0000"/>
+                </a:solidFill>
+                <a:latin typeface="Consolas" charset="0"/>
+                <a:ea typeface="Consolas" charset="0"/>
+                <a:cs typeface="Consolas" charset="0"/>
+              </a:rPr>
+              <a:t>identifier&lt;</a:t>
             </a:r>
             <a:r>
               <a:rPr lang="en-US" sz="2800" dirty="0" err="1" smtClean="0">
@@ -7292,14 +7256,6 @@
               </a:rPr>
               <a:t>&gt; {}</a:t>
             </a:r>
-            <a:endParaRPr lang="en-US" sz="2800" dirty="0" smtClean="0">
-              <a:solidFill>
-                <a:srgbClr val="FF0000"/>
-              </a:solidFill>
-              <a:latin typeface="Consolas" charset="0"/>
-              <a:ea typeface="Consolas" charset="0"/>
-              <a:cs typeface="Consolas" charset="0"/>
-            </a:endParaRPr>
           </a:p>
         </p:txBody>
       </p:sp>
@@ -7350,11 +7306,7 @@
           <a:p>
             <a:r>
               <a:rPr lang="en-US" dirty="0" smtClean="0"/>
-              <a:t>Generic Types</a:t>
-            </a:r>
-            <a:r>
-              <a:rPr lang="en-US" dirty="0" smtClean="0"/>
-              <a:t>	</a:t>
+              <a:t>Generic Types	</a:t>
             </a:r>
             <a:endParaRPr lang="en-US" dirty="0"/>
           </a:p>
@@ -7487,11 +7439,7 @@
           <a:p>
             <a:r>
               <a:rPr lang="en-US" dirty="0" smtClean="0"/>
-              <a:t>Generic Types</a:t>
-            </a:r>
-            <a:r>
-              <a:rPr lang="en-US" dirty="0" smtClean="0"/>
-              <a:t>	</a:t>
+              <a:t>Generic Types	</a:t>
             </a:r>
             <a:endParaRPr lang="en-US" dirty="0"/>
           </a:p>

--- a/week_12/week_12.pptx
+++ b/week_12/week_12.pptx
@@ -214,7 +214,7 @@
           <a:p>
             <a:fld id="{A756DEA0-F944-5946-9B95-BC7B5255CD05}" type="datetimeFigureOut">
               <a:rPr lang="en-US" smtClean="0"/>
-              <a:t>4/15/16</a:t>
+              <a:t>11/14/16</a:t>
             </a:fld>
             <a:endParaRPr lang="en-US"/>
           </a:p>
@@ -526,7 +526,7 @@
           <a:bodyPr/>
           <a:lstStyle/>
           <a:p>
-            <a:endParaRPr lang="en-US" dirty="0"/>
+            <a:endParaRPr lang="en-US"/>
           </a:p>
         </p:txBody>
       </p:sp>
@@ -547,7 +547,7 @@
           <a:p>
             <a:fld id="{0FF3EE0D-70A9-3744-80A0-179DFFBD3C67}" type="slidenum">
               <a:rPr lang="en-US" smtClean="0"/>
-              <a:t>5</a:t>
+              <a:t>1</a:t>
             </a:fld>
             <a:endParaRPr lang="en-US"/>
           </a:p>
@@ -556,7 +556,7 @@
     </p:spTree>
     <p:extLst>
       <p:ext uri="{BB962C8B-B14F-4D97-AF65-F5344CB8AC3E}">
-        <p14:creationId xmlns:p14="http://schemas.microsoft.com/office/powerpoint/2010/main" val="700590728"/>
+        <p14:creationId xmlns:p14="http://schemas.microsoft.com/office/powerpoint/2010/main" val="1022286201"/>
       </p:ext>
     </p:extLst>
   </p:cSld>
@@ -631,7 +631,7 @@
           <a:p>
             <a:fld id="{0FF3EE0D-70A9-3744-80A0-179DFFBD3C67}" type="slidenum">
               <a:rPr lang="en-US" smtClean="0"/>
-              <a:t>14</a:t>
+              <a:t>13</a:t>
             </a:fld>
             <a:endParaRPr lang="en-US"/>
           </a:p>
@@ -640,7 +640,7 @@
     </p:spTree>
     <p:extLst>
       <p:ext uri="{BB962C8B-B14F-4D97-AF65-F5344CB8AC3E}">
-        <p14:creationId xmlns:p14="http://schemas.microsoft.com/office/powerpoint/2010/main" val="1165832128"/>
+        <p14:creationId xmlns:p14="http://schemas.microsoft.com/office/powerpoint/2010/main" val="1480503293"/>
       </p:ext>
     </p:extLst>
   </p:cSld>
@@ -715,7 +715,7 @@
           <a:p>
             <a:fld id="{0FF3EE0D-70A9-3744-80A0-179DFFBD3C67}" type="slidenum">
               <a:rPr lang="en-US" smtClean="0"/>
-              <a:t>15</a:t>
+              <a:t>14</a:t>
             </a:fld>
             <a:endParaRPr lang="en-US"/>
           </a:p>
@@ -724,7 +724,7 @@
     </p:spTree>
     <p:extLst>
       <p:ext uri="{BB962C8B-B14F-4D97-AF65-F5344CB8AC3E}">
-        <p14:creationId xmlns:p14="http://schemas.microsoft.com/office/powerpoint/2010/main" val="534008665"/>
+        <p14:creationId xmlns:p14="http://schemas.microsoft.com/office/powerpoint/2010/main" val="1165832128"/>
       </p:ext>
     </p:extLst>
   </p:cSld>
@@ -799,6 +799,90 @@
           <a:p>
             <a:fld id="{0FF3EE0D-70A9-3744-80A0-179DFFBD3C67}" type="slidenum">
               <a:rPr lang="en-US" smtClean="0"/>
+              <a:t>15</a:t>
+            </a:fld>
+            <a:endParaRPr lang="en-US"/>
+          </a:p>
+        </p:txBody>
+      </p:sp>
+    </p:spTree>
+    <p:extLst>
+      <p:ext uri="{BB962C8B-B14F-4D97-AF65-F5344CB8AC3E}">
+        <p14:creationId xmlns:p14="http://schemas.microsoft.com/office/powerpoint/2010/main" val="534008665"/>
+      </p:ext>
+    </p:extLst>
+  </p:cSld>
+  <p:clrMapOvr>
+    <a:masterClrMapping/>
+  </p:clrMapOvr>
+</p:notes>
+</file>
+
+<file path=ppt/notesSlides/notesSlide13.xml><?xml version="1.0" encoding="utf-8"?>
+<p:notes xmlns:a="http://schemas.openxmlformats.org/drawingml/2006/main" xmlns:r="http://schemas.openxmlformats.org/officeDocument/2006/relationships" xmlns:p="http://schemas.openxmlformats.org/presentationml/2006/main">
+  <p:cSld>
+    <p:spTree>
+      <p:nvGrpSpPr>
+        <p:cNvPr id="1" name=""/>
+        <p:cNvGrpSpPr/>
+        <p:nvPr/>
+      </p:nvGrpSpPr>
+      <p:grpSpPr>
+        <a:xfrm>
+          <a:off x="0" y="0"/>
+          <a:ext cx="0" cy="0"/>
+          <a:chOff x="0" y="0"/>
+          <a:chExt cx="0" cy="0"/>
+        </a:xfrm>
+      </p:grpSpPr>
+      <p:sp>
+        <p:nvSpPr>
+          <p:cNvPr id="2" name="Slide Image Placeholder 1"/>
+          <p:cNvSpPr>
+            <a:spLocks noGrp="1" noRot="1" noChangeAspect="1"/>
+          </p:cNvSpPr>
+          <p:nvPr>
+            <p:ph type="sldImg"/>
+          </p:nvPr>
+        </p:nvSpPr>
+        <p:spPr/>
+      </p:sp>
+      <p:sp>
+        <p:nvSpPr>
+          <p:cNvPr id="3" name="Notes Placeholder 2"/>
+          <p:cNvSpPr>
+            <a:spLocks noGrp="1"/>
+          </p:cNvSpPr>
+          <p:nvPr>
+            <p:ph type="body" idx="1"/>
+          </p:nvPr>
+        </p:nvSpPr>
+        <p:spPr/>
+        <p:txBody>
+          <a:bodyPr/>
+          <a:lstStyle/>
+          <a:p>
+            <a:endParaRPr lang="en-US" dirty="0"/>
+          </a:p>
+        </p:txBody>
+      </p:sp>
+      <p:sp>
+        <p:nvSpPr>
+          <p:cNvPr id="4" name="Slide Number Placeholder 3"/>
+          <p:cNvSpPr>
+            <a:spLocks noGrp="1"/>
+          </p:cNvSpPr>
+          <p:nvPr>
+            <p:ph type="sldNum" sz="quarter" idx="10"/>
+          </p:nvPr>
+        </p:nvSpPr>
+        <p:spPr/>
+        <p:txBody>
+          <a:bodyPr/>
+          <a:lstStyle/>
+          <a:p>
+            <a:fld id="{0FF3EE0D-70A9-3744-80A0-179DFFBD3C67}" type="slidenum">
+              <a:rPr lang="en-US" smtClean="0"/>
               <a:t>16</a:t>
             </a:fld>
             <a:endParaRPr lang="en-US"/>
@@ -818,7 +902,7 @@
 </p:notes>
 </file>
 
-<file path=ppt/notesSlides/notesSlide13.xml><?xml version="1.0" encoding="utf-8"?>
+<file path=ppt/notesSlides/notesSlide14.xml><?xml version="1.0" encoding="utf-8"?>
 <p:notes xmlns:a="http://schemas.openxmlformats.org/drawingml/2006/main" xmlns:r="http://schemas.openxmlformats.org/officeDocument/2006/relationships" xmlns:p="http://schemas.openxmlformats.org/presentationml/2006/main">
   <p:cSld>
     <p:spTree>
@@ -967,7 +1051,7 @@
           <a:p>
             <a:fld id="{0FF3EE0D-70A9-3744-80A0-179DFFBD3C67}" type="slidenum">
               <a:rPr lang="en-US" smtClean="0"/>
-              <a:t>6</a:t>
+              <a:t>5</a:t>
             </a:fld>
             <a:endParaRPr lang="en-US"/>
           </a:p>
@@ -976,7 +1060,7 @@
     </p:spTree>
     <p:extLst>
       <p:ext uri="{BB962C8B-B14F-4D97-AF65-F5344CB8AC3E}">
-        <p14:creationId xmlns:p14="http://schemas.microsoft.com/office/powerpoint/2010/main" val="378290848"/>
+        <p14:creationId xmlns:p14="http://schemas.microsoft.com/office/powerpoint/2010/main" val="700590728"/>
       </p:ext>
     </p:extLst>
   </p:cSld>
@@ -1051,7 +1135,7 @@
           <a:p>
             <a:fld id="{0FF3EE0D-70A9-3744-80A0-179DFFBD3C67}" type="slidenum">
               <a:rPr lang="en-US" smtClean="0"/>
-              <a:t>7</a:t>
+              <a:t>6</a:t>
             </a:fld>
             <a:endParaRPr lang="en-US"/>
           </a:p>
@@ -1060,7 +1144,7 @@
     </p:spTree>
     <p:extLst>
       <p:ext uri="{BB962C8B-B14F-4D97-AF65-F5344CB8AC3E}">
-        <p14:creationId xmlns:p14="http://schemas.microsoft.com/office/powerpoint/2010/main" val="1521475858"/>
+        <p14:creationId xmlns:p14="http://schemas.microsoft.com/office/powerpoint/2010/main" val="378290848"/>
       </p:ext>
     </p:extLst>
   </p:cSld>
@@ -1135,7 +1219,7 @@
           <a:p>
             <a:fld id="{0FF3EE0D-70A9-3744-80A0-179DFFBD3C67}" type="slidenum">
               <a:rPr lang="en-US" smtClean="0"/>
-              <a:t>8</a:t>
+              <a:t>7</a:t>
             </a:fld>
             <a:endParaRPr lang="en-US"/>
           </a:p>
@@ -1144,7 +1228,7 @@
     </p:spTree>
     <p:extLst>
       <p:ext uri="{BB962C8B-B14F-4D97-AF65-F5344CB8AC3E}">
-        <p14:creationId xmlns:p14="http://schemas.microsoft.com/office/powerpoint/2010/main" val="1752086253"/>
+        <p14:creationId xmlns:p14="http://schemas.microsoft.com/office/powerpoint/2010/main" val="1521475858"/>
       </p:ext>
     </p:extLst>
   </p:cSld>
@@ -1219,7 +1303,7 @@
           <a:p>
             <a:fld id="{0FF3EE0D-70A9-3744-80A0-179DFFBD3C67}" type="slidenum">
               <a:rPr lang="en-US" smtClean="0"/>
-              <a:t>9</a:t>
+              <a:t>8</a:t>
             </a:fld>
             <a:endParaRPr lang="en-US"/>
           </a:p>
@@ -1228,7 +1312,7 @@
     </p:spTree>
     <p:extLst>
       <p:ext uri="{BB962C8B-B14F-4D97-AF65-F5344CB8AC3E}">
-        <p14:creationId xmlns:p14="http://schemas.microsoft.com/office/powerpoint/2010/main" val="1977928785"/>
+        <p14:creationId xmlns:p14="http://schemas.microsoft.com/office/powerpoint/2010/main" val="1752086253"/>
       </p:ext>
     </p:extLst>
   </p:cSld>
@@ -1303,7 +1387,7 @@
           <a:p>
             <a:fld id="{0FF3EE0D-70A9-3744-80A0-179DFFBD3C67}" type="slidenum">
               <a:rPr lang="en-US" smtClean="0"/>
-              <a:t>10</a:t>
+              <a:t>9</a:t>
             </a:fld>
             <a:endParaRPr lang="en-US"/>
           </a:p>
@@ -1312,7 +1396,7 @@
     </p:spTree>
     <p:extLst>
       <p:ext uri="{BB962C8B-B14F-4D97-AF65-F5344CB8AC3E}">
-        <p14:creationId xmlns:p14="http://schemas.microsoft.com/office/powerpoint/2010/main" val="1800522714"/>
+        <p14:creationId xmlns:p14="http://schemas.microsoft.com/office/powerpoint/2010/main" val="1977928785"/>
       </p:ext>
     </p:extLst>
   </p:cSld>
@@ -1387,7 +1471,7 @@
           <a:p>
             <a:fld id="{0FF3EE0D-70A9-3744-80A0-179DFFBD3C67}" type="slidenum">
               <a:rPr lang="en-US" smtClean="0"/>
-              <a:t>11</a:t>
+              <a:t>10</a:t>
             </a:fld>
             <a:endParaRPr lang="en-US"/>
           </a:p>
@@ -1396,7 +1480,7 @@
     </p:spTree>
     <p:extLst>
       <p:ext uri="{BB962C8B-B14F-4D97-AF65-F5344CB8AC3E}">
-        <p14:creationId xmlns:p14="http://schemas.microsoft.com/office/powerpoint/2010/main" val="474341101"/>
+        <p14:creationId xmlns:p14="http://schemas.microsoft.com/office/powerpoint/2010/main" val="1800522714"/>
       </p:ext>
     </p:extLst>
   </p:cSld>
@@ -1471,7 +1555,7 @@
           <a:p>
             <a:fld id="{0FF3EE0D-70A9-3744-80A0-179DFFBD3C67}" type="slidenum">
               <a:rPr lang="en-US" smtClean="0"/>
-              <a:t>12</a:t>
+              <a:t>11</a:t>
             </a:fld>
             <a:endParaRPr lang="en-US"/>
           </a:p>
@@ -1480,7 +1564,7 @@
     </p:spTree>
     <p:extLst>
       <p:ext uri="{BB962C8B-B14F-4D97-AF65-F5344CB8AC3E}">
-        <p14:creationId xmlns:p14="http://schemas.microsoft.com/office/powerpoint/2010/main" val="2053163609"/>
+        <p14:creationId xmlns:p14="http://schemas.microsoft.com/office/powerpoint/2010/main" val="474341101"/>
       </p:ext>
     </p:extLst>
   </p:cSld>
@@ -1555,7 +1639,7 @@
           <a:p>
             <a:fld id="{0FF3EE0D-70A9-3744-80A0-179DFFBD3C67}" type="slidenum">
               <a:rPr lang="en-US" smtClean="0"/>
-              <a:t>13</a:t>
+              <a:t>12</a:t>
             </a:fld>
             <a:endParaRPr lang="en-US"/>
           </a:p>
@@ -1564,7 +1648,7 @@
     </p:spTree>
     <p:extLst>
       <p:ext uri="{BB962C8B-B14F-4D97-AF65-F5344CB8AC3E}">
-        <p14:creationId xmlns:p14="http://schemas.microsoft.com/office/powerpoint/2010/main" val="1480503293"/>
+        <p14:creationId xmlns:p14="http://schemas.microsoft.com/office/powerpoint/2010/main" val="2053163609"/>
       </p:ext>
     </p:extLst>
   </p:cSld>
@@ -1740,9 +1824,9 @@
             </a:lvl1pPr>
           </a:lstStyle>
           <a:p>
-            <a:fld id="{9E016143-E03C-4CFD-AFDC-14E5BDEA754C}" type="datetimeFigureOut">
-              <a:rPr lang="en-US" dirty="0"/>
-              <a:t>4/15/16</a:t>
+            <a:fld id="{E0252C48-3F67-D341-8672-081553B4D34D}" type="datetime1">
+              <a:rPr lang="en-US" smtClean="0"/>
+              <a:t>11/14/16</a:t>
             </a:fld>
             <a:endParaRPr lang="en-US" dirty="0"/>
           </a:p>
@@ -1964,9 +2048,9 @@
           <a:bodyPr/>
           <a:lstStyle/>
           <a:p>
-            <a:fld id="{C033E54A-A8CA-48C1-9504-691B58049D29}" type="datetimeFigureOut">
-              <a:rPr lang="en-US" dirty="0"/>
-              <a:t>4/15/16</a:t>
+            <a:fld id="{2BC3E32A-15F6-AE4B-83EA-CE806D4E6EB8}" type="datetime1">
+              <a:rPr lang="en-US" smtClean="0"/>
+              <a:t>11/14/16</a:t>
             </a:fld>
             <a:endParaRPr lang="en-US" dirty="0"/>
           </a:p>
@@ -2139,9 +2223,9 @@
           <a:bodyPr/>
           <a:lstStyle/>
           <a:p>
-            <a:fld id="{B5F6C806-BBF7-471C-9527-881CE2266695}" type="datetimeFigureOut">
-              <a:rPr lang="en-US" dirty="0"/>
-              <a:t>4/15/16</a:t>
+            <a:fld id="{A0388E53-4108-AF4D-9BB4-B2A790A9EF1B}" type="datetime1">
+              <a:rPr lang="en-US" smtClean="0"/>
+              <a:t>11/14/16</a:t>
             </a:fld>
             <a:endParaRPr lang="en-US" dirty="0"/>
           </a:p>
@@ -2304,9 +2388,9 @@
           <a:bodyPr/>
           <a:lstStyle/>
           <a:p>
-            <a:fld id="{78C94063-DF36-4330-A365-08DA1FA5B7D6}" type="datetimeFigureOut">
-              <a:rPr lang="en-US" dirty="0"/>
-              <a:t>4/15/16</a:t>
+            <a:fld id="{53D3D8E4-A904-4A4D-A4D7-759CDBECAFB8}" type="datetime1">
+              <a:rPr lang="en-US" smtClean="0"/>
+              <a:t>11/14/16</a:t>
             </a:fld>
             <a:endParaRPr lang="en-US" dirty="0"/>
           </a:p>
@@ -2553,9 +2637,9 @@
           <a:bodyPr/>
           <a:lstStyle/>
           <a:p>
-            <a:fld id="{908A7C6C-0F39-4D70-8E8D-FE5B9C95FA73}" type="datetimeFigureOut">
-              <a:rPr lang="en-US" dirty="0"/>
-              <a:t>4/15/16</a:t>
+            <a:fld id="{028DBA63-AF12-1545-9449-24750F677CF9}" type="datetime1">
+              <a:rPr lang="en-US" smtClean="0"/>
+              <a:t>11/14/16</a:t>
             </a:fld>
             <a:endParaRPr lang="en-US" dirty="0"/>
           </a:p>
@@ -2874,9 +2958,9 @@
           <a:bodyPr/>
           <a:lstStyle/>
           <a:p>
-            <a:fld id="{DFCFA4AC-08CC-42CE-BD01-C191750A04EC}" type="datetimeFigureOut">
-              <a:rPr lang="en-US" dirty="0"/>
-              <a:t>4/15/16</a:t>
+            <a:fld id="{B2170154-6070-C145-95A0-6560815C043C}" type="datetime1">
+              <a:rPr lang="en-US" smtClean="0"/>
+              <a:t>11/14/16</a:t>
             </a:fld>
             <a:endParaRPr lang="en-US" dirty="0"/>
           </a:p>
@@ -3320,9 +3404,9 @@
           <a:bodyPr/>
           <a:lstStyle/>
           <a:p>
-            <a:fld id="{1BA7A723-92A7-435B-B681-F25B092FEFEB}" type="datetimeFigureOut">
-              <a:rPr lang="en-US" dirty="0"/>
-              <a:t>4/15/16</a:t>
+            <a:fld id="{DE08DB36-A457-2E48-A4F9-833AFF7E5B78}" type="datetime1">
+              <a:rPr lang="en-US" smtClean="0"/>
+              <a:t>11/14/16</a:t>
             </a:fld>
             <a:endParaRPr lang="en-US" dirty="0"/>
           </a:p>
@@ -3433,9 +3517,9 @@
           <a:bodyPr/>
           <a:lstStyle/>
           <a:p>
-            <a:fld id="{4F170639-886C-4FCF-9EAB-ABB5DA3F3F4A}" type="datetimeFigureOut">
-              <a:rPr lang="en-US" dirty="0"/>
-              <a:t>4/15/16</a:t>
+            <a:fld id="{33C065FC-EDAC-F046-A954-FA69FED51777}" type="datetime1">
+              <a:rPr lang="en-US" smtClean="0"/>
+              <a:t>11/14/16</a:t>
             </a:fld>
             <a:endParaRPr lang="en-US" dirty="0"/>
           </a:p>
@@ -3523,9 +3607,9 @@
           <a:bodyPr/>
           <a:lstStyle/>
           <a:p>
-            <a:fld id="{22230651-31F4-45D2-98AE-A2108F41BC07}" type="datetimeFigureOut">
-              <a:rPr lang="en-US" dirty="0"/>
-              <a:t>4/15/16</a:t>
+            <a:fld id="{820C98F1-F8A2-3A4B-B3AE-5F0FF99C1470}" type="datetime1">
+              <a:rPr lang="en-US" smtClean="0"/>
+              <a:t>11/14/16</a:t>
             </a:fld>
             <a:endParaRPr lang="en-US" dirty="0"/>
           </a:p>
@@ -3805,9 +3889,9 @@
           <a:bodyPr/>
           <a:lstStyle/>
           <a:p>
-            <a:fld id="{6F53789A-C914-4DB1-8815-80B5EC7335C5}" type="datetimeFigureOut">
-              <a:rPr lang="en-US" dirty="0"/>
-              <a:t>4/15/16</a:t>
+            <a:fld id="{96C853FC-BFB0-464E-B166-401613C0160D}" type="datetime1">
+              <a:rPr lang="en-US" smtClean="0"/>
+              <a:t>11/14/16</a:t>
             </a:fld>
             <a:endParaRPr lang="en-US" dirty="0"/>
           </a:p>
@@ -4125,9 +4209,9 @@
           <a:bodyPr/>
           <a:lstStyle/>
           <a:p>
-            <a:fld id="{5E6440AA-91A0-436F-8FDB-C0F939DCAE21}" type="datetimeFigureOut">
-              <a:rPr lang="en-US" dirty="0"/>
-              <a:t>4/15/16</a:t>
+            <a:fld id="{3946F647-BC0F-E14B-8AB7-7F712458675F}" type="datetime1">
+              <a:rPr lang="en-US" smtClean="0"/>
+              <a:t>11/14/16</a:t>
             </a:fld>
             <a:endParaRPr lang="en-US" dirty="0"/>
           </a:p>
@@ -4374,9 +4458,9 @@
             </a:lvl1pPr>
           </a:lstStyle>
           <a:p>
-            <a:fld id="{0E59FD0C-5451-4CA0-86AF-E70AE3279989}" type="datetimeFigureOut">
-              <a:rPr lang="en-US" dirty="0"/>
-              <a:t>4/15/16</a:t>
+            <a:fld id="{20D8BF37-9AE2-5B4F-82A7-E9EB1A776AF8}" type="datetime1">
+              <a:rPr lang="en-US" smtClean="0"/>
+              <a:t>11/14/16</a:t>
             </a:fld>
             <a:endParaRPr lang="en-US" dirty="0"/>
           </a:p>
@@ -4481,7 +4565,7 @@
     <p:sldLayoutId id="2147483850" r:id="rId10"/>
     <p:sldLayoutId id="2147483851" r:id="rId11"/>
   </p:sldLayoutIdLst>
-  <p:hf sldNum="0" hdr="0" ftr="0" dt="0"/>
+  <p:hf hdr="0" ftr="0" dt="0"/>
   <p:txStyles>
     <p:titleStyle>
       <a:lvl1pPr algn="l" defTabSz="914400" rtl="0" eaLnBrk="1" latinLnBrk="0" hangingPunct="1">
@@ -4878,7 +4962,11 @@
           <a:p>
             <a:r>
               <a:rPr lang="en-US" dirty="0" smtClean="0"/>
-              <a:t>Programming Fundamentals for Android</a:t>
+              <a:t>Programming </a:t>
+            </a:r>
+            <a:r>
+              <a:rPr lang="en-US" dirty="0" smtClean="0"/>
+              <a:t>Fundamentals for Android</a:t>
             </a:r>
             <a:endParaRPr lang="en-US" dirty="0"/>
           </a:p>
@@ -4901,14 +4989,38 @@
           <a:p>
             <a:r>
               <a:rPr lang="en-US" dirty="0" smtClean="0"/>
-              <a:t>Week 12: Generics</a:t>
-            </a:r>
-          </a:p>
-          <a:p>
+              <a:t>Week 12: </a:t>
+            </a:r>
             <a:r>
               <a:rPr lang="en-US" dirty="0" smtClean="0"/>
-              <a:t>April 14, 2016</a:t>
-            </a:r>
+              <a:t>Generics</a:t>
+            </a:r>
+            <a:endParaRPr lang="en-US" dirty="0" smtClean="0"/>
+          </a:p>
+        </p:txBody>
+      </p:sp>
+      <p:sp>
+        <p:nvSpPr>
+          <p:cNvPr id="4" name="Slide Number Placeholder 3"/>
+          <p:cNvSpPr>
+            <a:spLocks noGrp="1"/>
+          </p:cNvSpPr>
+          <p:nvPr>
+            <p:ph type="sldNum" sz="quarter" idx="12"/>
+          </p:nvPr>
+        </p:nvSpPr>
+        <p:spPr/>
+        <p:txBody>
+          <a:bodyPr>
+            <a:normAutofit lnSpcReduction="10000"/>
+          </a:bodyPr>
+          <a:lstStyle/>
+          <a:p>
+            <a:fld id="{4FAB73BC-B049-4115-A692-8D63A059BFB8}" type="slidenum">
+              <a:rPr lang="en-US" smtClean="0"/>
+              <a:pPr/>
+              <a:t>1</a:t>
+            </a:fld>
             <a:endParaRPr lang="en-US" dirty="0"/>
           </a:p>
         </p:txBody>
@@ -5104,15 +5216,7 @@
             </a:r>
             <a:r>
               <a:rPr lang="en-US" sz="3000" dirty="0" smtClean="0"/>
-              <a:t>, is used to indicate that the type is </a:t>
-            </a:r>
-            <a:r>
-              <a:rPr lang="en-US" sz="3000" dirty="0" smtClean="0"/>
-              <a:t>unknown </a:t>
-            </a:r>
-            <a:r>
-              <a:rPr lang="en-US" sz="3000" dirty="0" smtClean="0"/>
-              <a:t>(</a:t>
+              <a:t>, is used to indicate that the type is unknown (</a:t>
             </a:r>
             <a:r>
               <a:rPr lang="en-US" sz="3000" i="1" dirty="0" smtClean="0"/>
@@ -5131,6 +5235,31 @@
               <a:t>)</a:t>
             </a:r>
             <a:endParaRPr lang="en-US" sz="3000" b="1" dirty="0" smtClean="0"/>
+          </a:p>
+        </p:txBody>
+      </p:sp>
+      <p:sp>
+        <p:nvSpPr>
+          <p:cNvPr id="4" name="Slide Number Placeholder 3"/>
+          <p:cNvSpPr>
+            <a:spLocks noGrp="1"/>
+          </p:cNvSpPr>
+          <p:nvPr>
+            <p:ph type="sldNum" sz="quarter" idx="12"/>
+          </p:nvPr>
+        </p:nvSpPr>
+        <p:spPr/>
+        <p:txBody>
+          <a:bodyPr>
+            <a:normAutofit lnSpcReduction="10000"/>
+          </a:bodyPr>
+          <a:lstStyle/>
+          <a:p>
+            <a:fld id="{4FAB73BC-B049-4115-A692-8D63A059BFB8}" type="slidenum">
+              <a:rPr lang="en-US" smtClean="0"/>
+              <a:t>10</a:t>
+            </a:fld>
+            <a:endParaRPr lang="en-US" dirty="0"/>
           </a:p>
         </p:txBody>
       </p:sp>
@@ -5232,16 +5361,33 @@
           <a:p>
             <a:r>
               <a:rPr lang="en-US" sz="3000" dirty="0" smtClean="0"/>
-              <a:t>Can be used but </a:t>
-            </a:r>
-            <a:r>
-              <a:rPr lang="en-US" sz="3000" dirty="0" smtClean="0"/>
-              <a:t>does </a:t>
-            </a:r>
-            <a:r>
-              <a:rPr lang="en-US" sz="3000" dirty="0" smtClean="0"/>
-              <a:t>not have type safety checks</a:t>
-            </a:r>
+              <a:t>Can be used but does not have type safety checks</a:t>
+            </a:r>
+          </a:p>
+        </p:txBody>
+      </p:sp>
+      <p:sp>
+        <p:nvSpPr>
+          <p:cNvPr id="4" name="Slide Number Placeholder 3"/>
+          <p:cNvSpPr>
+            <a:spLocks noGrp="1"/>
+          </p:cNvSpPr>
+          <p:nvPr>
+            <p:ph type="sldNum" sz="quarter" idx="12"/>
+          </p:nvPr>
+        </p:nvSpPr>
+        <p:spPr/>
+        <p:txBody>
+          <a:bodyPr>
+            <a:normAutofit lnSpcReduction="10000"/>
+          </a:bodyPr>
+          <a:lstStyle/>
+          <a:p>
+            <a:fld id="{4FAB73BC-B049-4115-A692-8D63A059BFB8}" type="slidenum">
+              <a:rPr lang="en-US" smtClean="0"/>
+              <a:t>11</a:t>
+            </a:fld>
+            <a:endParaRPr lang="en-US" dirty="0"/>
           </a:p>
         </p:txBody>
       </p:sp>
@@ -5322,6 +5468,31 @@
           </a:p>
         </p:txBody>
       </p:sp>
+      <p:sp>
+        <p:nvSpPr>
+          <p:cNvPr id="4" name="Slide Number Placeholder 3"/>
+          <p:cNvSpPr>
+            <a:spLocks noGrp="1"/>
+          </p:cNvSpPr>
+          <p:nvPr>
+            <p:ph type="sldNum" sz="quarter" idx="12"/>
+          </p:nvPr>
+        </p:nvSpPr>
+        <p:spPr/>
+        <p:txBody>
+          <a:bodyPr>
+            <a:normAutofit lnSpcReduction="10000"/>
+          </a:bodyPr>
+          <a:lstStyle/>
+          <a:p>
+            <a:fld id="{4FAB73BC-B049-4115-A692-8D63A059BFB8}" type="slidenum">
+              <a:rPr lang="en-US" smtClean="0"/>
+              <a:t>12</a:t>
+            </a:fld>
+            <a:endParaRPr lang="en-US" dirty="0"/>
+          </a:p>
+        </p:txBody>
+      </p:sp>
     </p:spTree>
     <p:extLst>
       <p:ext uri="{BB962C8B-B14F-4D97-AF65-F5344CB8AC3E}">
@@ -5433,6 +5604,31 @@
           </a:p>
         </p:txBody>
       </p:sp>
+      <p:sp>
+        <p:nvSpPr>
+          <p:cNvPr id="4" name="Slide Number Placeholder 3"/>
+          <p:cNvSpPr>
+            <a:spLocks noGrp="1"/>
+          </p:cNvSpPr>
+          <p:nvPr>
+            <p:ph type="sldNum" sz="quarter" idx="12"/>
+          </p:nvPr>
+        </p:nvSpPr>
+        <p:spPr/>
+        <p:txBody>
+          <a:bodyPr>
+            <a:normAutofit lnSpcReduction="10000"/>
+          </a:bodyPr>
+          <a:lstStyle/>
+          <a:p>
+            <a:fld id="{4FAB73BC-B049-4115-A692-8D63A059BFB8}" type="slidenum">
+              <a:rPr lang="en-US" smtClean="0"/>
+              <a:t>13</a:t>
+            </a:fld>
+            <a:endParaRPr lang="en-US" dirty="0"/>
+          </a:p>
+        </p:txBody>
+      </p:sp>
     </p:spTree>
     <p:extLst>
       <p:ext uri="{BB962C8B-B14F-4D97-AF65-F5344CB8AC3E}">
@@ -5507,6 +5703,31 @@
               <a:rPr lang="en-US" sz="3000" dirty="0" smtClean="0"/>
               <a:t>Type parameter’s scope is the entire corresponding class unless the type parameter is masked. </a:t>
             </a:r>
+          </a:p>
+        </p:txBody>
+      </p:sp>
+      <p:sp>
+        <p:nvSpPr>
+          <p:cNvPr id="4" name="Slide Number Placeholder 3"/>
+          <p:cNvSpPr>
+            <a:spLocks noGrp="1"/>
+          </p:cNvSpPr>
+          <p:nvPr>
+            <p:ph type="sldNum" sz="quarter" idx="12"/>
+          </p:nvPr>
+        </p:nvSpPr>
+        <p:spPr/>
+        <p:txBody>
+          <a:bodyPr>
+            <a:normAutofit lnSpcReduction="10000"/>
+          </a:bodyPr>
+          <a:lstStyle/>
+          <a:p>
+            <a:fld id="{4FAB73BC-B049-4115-A692-8D63A059BFB8}" type="slidenum">
+              <a:rPr lang="en-US" smtClean="0"/>
+              <a:t>14</a:t>
+            </a:fld>
+            <a:endParaRPr lang="en-US" dirty="0"/>
           </a:p>
         </p:txBody>
       </p:sp>
@@ -6122,6 +6343,31 @@
           </a:fontRef>
         </p:style>
       </p:cxnSp>
+      <p:sp>
+        <p:nvSpPr>
+          <p:cNvPr id="5" name="Slide Number Placeholder 4"/>
+          <p:cNvSpPr>
+            <a:spLocks noGrp="1"/>
+          </p:cNvSpPr>
+          <p:nvPr>
+            <p:ph type="sldNum" sz="quarter" idx="12"/>
+          </p:nvPr>
+        </p:nvSpPr>
+        <p:spPr/>
+        <p:txBody>
+          <a:bodyPr>
+            <a:normAutofit lnSpcReduction="10000"/>
+          </a:bodyPr>
+          <a:lstStyle/>
+          <a:p>
+            <a:fld id="{4FAB73BC-B049-4115-A692-8D63A059BFB8}" type="slidenum">
+              <a:rPr lang="en-US" smtClean="0"/>
+              <a:t>15</a:t>
+            </a:fld>
+            <a:endParaRPr lang="en-US" dirty="0"/>
+          </a:p>
+        </p:txBody>
+      </p:sp>
     </p:spTree>
     <p:extLst>
       <p:ext uri="{BB962C8B-B14F-4D97-AF65-F5344CB8AC3E}">
@@ -6239,6 +6485,31 @@
           </a:p>
         </p:txBody>
       </p:sp>
+      <p:sp>
+        <p:nvSpPr>
+          <p:cNvPr id="4" name="Slide Number Placeholder 3"/>
+          <p:cNvSpPr>
+            <a:spLocks noGrp="1"/>
+          </p:cNvSpPr>
+          <p:nvPr>
+            <p:ph type="sldNum" sz="quarter" idx="12"/>
+          </p:nvPr>
+        </p:nvSpPr>
+        <p:spPr/>
+        <p:txBody>
+          <a:bodyPr>
+            <a:normAutofit lnSpcReduction="10000"/>
+          </a:bodyPr>
+          <a:lstStyle/>
+          <a:p>
+            <a:fld id="{4FAB73BC-B049-4115-A692-8D63A059BFB8}" type="slidenum">
+              <a:rPr lang="en-US" smtClean="0"/>
+              <a:t>16</a:t>
+            </a:fld>
+            <a:endParaRPr lang="en-US" dirty="0"/>
+          </a:p>
+        </p:txBody>
+      </p:sp>
     </p:spTree>
     <p:extLst>
       <p:ext uri="{BB962C8B-B14F-4D97-AF65-F5344CB8AC3E}">
@@ -6458,6 +6729,31 @@
           </a:p>
         </p:txBody>
       </p:sp>
+      <p:sp>
+        <p:nvSpPr>
+          <p:cNvPr id="5" name="Slide Number Placeholder 4"/>
+          <p:cNvSpPr>
+            <a:spLocks noGrp="1"/>
+          </p:cNvSpPr>
+          <p:nvPr>
+            <p:ph type="sldNum" sz="quarter" idx="12"/>
+          </p:nvPr>
+        </p:nvSpPr>
+        <p:spPr/>
+        <p:txBody>
+          <a:bodyPr>
+            <a:normAutofit lnSpcReduction="10000"/>
+          </a:bodyPr>
+          <a:lstStyle/>
+          <a:p>
+            <a:fld id="{4FAB73BC-B049-4115-A692-8D63A059BFB8}" type="slidenum">
+              <a:rPr lang="en-US" smtClean="0"/>
+              <a:t>17</a:t>
+            </a:fld>
+            <a:endParaRPr lang="en-US" dirty="0"/>
+          </a:p>
+        </p:txBody>
+      </p:sp>
     </p:spTree>
     <p:extLst>
       <p:ext uri="{BB962C8B-B14F-4D97-AF65-F5344CB8AC3E}">
@@ -6597,13 +6893,33 @@
             </a:r>
             <a:r>
               <a:rPr lang="en-US" sz="3200" dirty="0"/>
-              <a:t> method removes the first/oldest element from the queue. </a:t>
-            </a:r>
-            <a:r>
-              <a:rPr lang="en-US" sz="3200"/>
-              <a:t>Stacks are often described as being "last-in, first-out" whereas queues represent a "first-in, first-out" behavior.</a:t>
-            </a:r>
-            <a:endParaRPr lang="en-US" sz="3200" dirty="0"/>
+              <a:t> method removes the first/oldest element from the queue. Stacks are often described as being "last-in, first-out" whereas queues represent a "first-in, first-out" behavior.</a:t>
+            </a:r>
+          </a:p>
+        </p:txBody>
+      </p:sp>
+      <p:sp>
+        <p:nvSpPr>
+          <p:cNvPr id="4" name="Slide Number Placeholder 3"/>
+          <p:cNvSpPr>
+            <a:spLocks noGrp="1"/>
+          </p:cNvSpPr>
+          <p:nvPr>
+            <p:ph type="sldNum" sz="quarter" idx="12"/>
+          </p:nvPr>
+        </p:nvSpPr>
+        <p:spPr/>
+        <p:txBody>
+          <a:bodyPr>
+            <a:normAutofit lnSpcReduction="10000"/>
+          </a:bodyPr>
+          <a:lstStyle/>
+          <a:p>
+            <a:fld id="{4FAB73BC-B049-4115-A692-8D63A059BFB8}" type="slidenum">
+              <a:rPr lang="en-US" smtClean="0"/>
+              <a:t>18</a:t>
+            </a:fld>
+            <a:endParaRPr lang="en-US" dirty="0"/>
           </a:p>
         </p:txBody>
       </p:sp>
@@ -6689,6 +7005,31 @@
           </a:p>
         </p:txBody>
       </p:sp>
+      <p:sp>
+        <p:nvSpPr>
+          <p:cNvPr id="4" name="Slide Number Placeholder 3"/>
+          <p:cNvSpPr>
+            <a:spLocks noGrp="1"/>
+          </p:cNvSpPr>
+          <p:nvPr>
+            <p:ph type="sldNum" sz="quarter" idx="12"/>
+          </p:nvPr>
+        </p:nvSpPr>
+        <p:spPr/>
+        <p:txBody>
+          <a:bodyPr>
+            <a:normAutofit lnSpcReduction="10000"/>
+          </a:bodyPr>
+          <a:lstStyle/>
+          <a:p>
+            <a:fld id="{4FAB73BC-B049-4115-A692-8D63A059BFB8}" type="slidenum">
+              <a:rPr lang="en-US" smtClean="0"/>
+              <a:t>2</a:t>
+            </a:fld>
+            <a:endParaRPr lang="en-US" dirty="0"/>
+          </a:p>
+        </p:txBody>
+      </p:sp>
     </p:spTree>
     <p:extLst>
       <p:ext uri="{BB962C8B-B14F-4D97-AF65-F5344CB8AC3E}">
@@ -6775,6 +7116,31 @@
           </a:p>
         </p:txBody>
       </p:sp>
+      <p:sp>
+        <p:nvSpPr>
+          <p:cNvPr id="4" name="Slide Number Placeholder 3"/>
+          <p:cNvSpPr>
+            <a:spLocks noGrp="1"/>
+          </p:cNvSpPr>
+          <p:nvPr>
+            <p:ph type="sldNum" sz="quarter" idx="12"/>
+          </p:nvPr>
+        </p:nvSpPr>
+        <p:spPr/>
+        <p:txBody>
+          <a:bodyPr>
+            <a:normAutofit lnSpcReduction="10000"/>
+          </a:bodyPr>
+          <a:lstStyle/>
+          <a:p>
+            <a:fld id="{4FAB73BC-B049-4115-A692-8D63A059BFB8}" type="slidenum">
+              <a:rPr lang="en-US" smtClean="0"/>
+              <a:t>3</a:t>
+            </a:fld>
+            <a:endParaRPr lang="en-US" dirty="0"/>
+          </a:p>
+        </p:txBody>
+      </p:sp>
     </p:spTree>
     <p:extLst>
       <p:ext uri="{BB962C8B-B14F-4D97-AF65-F5344CB8AC3E}">
@@ -6847,6 +7213,31 @@
           </a:p>
         </p:txBody>
       </p:sp>
+      <p:sp>
+        <p:nvSpPr>
+          <p:cNvPr id="2" name="Slide Number Placeholder 1"/>
+          <p:cNvSpPr>
+            <a:spLocks noGrp="1"/>
+          </p:cNvSpPr>
+          <p:nvPr>
+            <p:ph type="sldNum" sz="quarter" idx="12"/>
+          </p:nvPr>
+        </p:nvSpPr>
+        <p:spPr/>
+        <p:txBody>
+          <a:bodyPr>
+            <a:normAutofit lnSpcReduction="10000"/>
+          </a:bodyPr>
+          <a:lstStyle/>
+          <a:p>
+            <a:fld id="{4FAB73BC-B049-4115-A692-8D63A059BFB8}" type="slidenum">
+              <a:rPr lang="en-US" smtClean="0"/>
+              <a:t>4</a:t>
+            </a:fld>
+            <a:endParaRPr lang="en-US" dirty="0"/>
+          </a:p>
+        </p:txBody>
+      </p:sp>
     </p:spTree>
     <p:extLst>
       <p:ext uri="{BB962C8B-B14F-4D97-AF65-F5344CB8AC3E}">
@@ -6978,6 +7369,31 @@
           </a:p>
         </p:txBody>
       </p:sp>
+      <p:sp>
+        <p:nvSpPr>
+          <p:cNvPr id="4" name="Slide Number Placeholder 3"/>
+          <p:cNvSpPr>
+            <a:spLocks noGrp="1"/>
+          </p:cNvSpPr>
+          <p:nvPr>
+            <p:ph type="sldNum" sz="quarter" idx="12"/>
+          </p:nvPr>
+        </p:nvSpPr>
+        <p:spPr/>
+        <p:txBody>
+          <a:bodyPr>
+            <a:normAutofit lnSpcReduction="10000"/>
+          </a:bodyPr>
+          <a:lstStyle/>
+          <a:p>
+            <a:fld id="{4FAB73BC-B049-4115-A692-8D63A059BFB8}" type="slidenum">
+              <a:rPr lang="en-US" smtClean="0"/>
+              <a:t>5</a:t>
+            </a:fld>
+            <a:endParaRPr lang="en-US" dirty="0"/>
+          </a:p>
+        </p:txBody>
+      </p:sp>
     </p:spTree>
     <p:extLst>
       <p:ext uri="{BB962C8B-B14F-4D97-AF65-F5344CB8AC3E}">
@@ -7083,6 +7499,31 @@
           </a:p>
         </p:txBody>
       </p:sp>
+      <p:sp>
+        <p:nvSpPr>
+          <p:cNvPr id="4" name="Slide Number Placeholder 3"/>
+          <p:cNvSpPr>
+            <a:spLocks noGrp="1"/>
+          </p:cNvSpPr>
+          <p:nvPr>
+            <p:ph type="sldNum" sz="quarter" idx="12"/>
+          </p:nvPr>
+        </p:nvSpPr>
+        <p:spPr/>
+        <p:txBody>
+          <a:bodyPr>
+            <a:normAutofit lnSpcReduction="10000"/>
+          </a:bodyPr>
+          <a:lstStyle/>
+          <a:p>
+            <a:fld id="{4FAB73BC-B049-4115-A692-8D63A059BFB8}" type="slidenum">
+              <a:rPr lang="en-US" smtClean="0"/>
+              <a:t>6</a:t>
+            </a:fld>
+            <a:endParaRPr lang="en-US" dirty="0"/>
+          </a:p>
+        </p:txBody>
+      </p:sp>
     </p:spTree>
     <p:extLst>
       <p:ext uri="{BB962C8B-B14F-4D97-AF65-F5344CB8AC3E}">
@@ -7221,18 +7662,7 @@
                 <a:ea typeface="Consolas" charset="0"/>
                 <a:cs typeface="Consolas" charset="0"/>
               </a:rPr>
-              <a:t>interface </a:t>
-            </a:r>
-            <a:r>
-              <a:rPr lang="en-US" sz="2800" dirty="0" smtClean="0">
-                <a:solidFill>
-                  <a:srgbClr val="FF0000"/>
-                </a:solidFill>
-                <a:latin typeface="Consolas" charset="0"/>
-                <a:ea typeface="Consolas" charset="0"/>
-                <a:cs typeface="Consolas" charset="0"/>
-              </a:rPr>
-              <a:t>identifier&lt;</a:t>
+              <a:t>interface identifier&lt;</a:t>
             </a:r>
             <a:r>
               <a:rPr lang="en-US" sz="2800" dirty="0" err="1" smtClean="0">
@@ -7256,6 +7686,31 @@
               </a:rPr>
               <a:t>&gt; {}</a:t>
             </a:r>
+          </a:p>
+        </p:txBody>
+      </p:sp>
+      <p:sp>
+        <p:nvSpPr>
+          <p:cNvPr id="4" name="Slide Number Placeholder 3"/>
+          <p:cNvSpPr>
+            <a:spLocks noGrp="1"/>
+          </p:cNvSpPr>
+          <p:nvPr>
+            <p:ph type="sldNum" sz="quarter" idx="12"/>
+          </p:nvPr>
+        </p:nvSpPr>
+        <p:spPr/>
+        <p:txBody>
+          <a:bodyPr>
+            <a:normAutofit lnSpcReduction="10000"/>
+          </a:bodyPr>
+          <a:lstStyle/>
+          <a:p>
+            <a:fld id="{4FAB73BC-B049-4115-A692-8D63A059BFB8}" type="slidenum">
+              <a:rPr lang="en-US" smtClean="0"/>
+              <a:t>7</a:t>
+            </a:fld>
+            <a:endParaRPr lang="en-US" dirty="0"/>
           </a:p>
         </p:txBody>
       </p:sp>
@@ -7392,6 +7847,31 @@
           </a:p>
         </p:txBody>
       </p:sp>
+      <p:sp>
+        <p:nvSpPr>
+          <p:cNvPr id="4" name="Slide Number Placeholder 3"/>
+          <p:cNvSpPr>
+            <a:spLocks noGrp="1"/>
+          </p:cNvSpPr>
+          <p:nvPr>
+            <p:ph type="sldNum" sz="quarter" idx="12"/>
+          </p:nvPr>
+        </p:nvSpPr>
+        <p:spPr/>
+        <p:txBody>
+          <a:bodyPr>
+            <a:normAutofit lnSpcReduction="10000"/>
+          </a:bodyPr>
+          <a:lstStyle/>
+          <a:p>
+            <a:fld id="{4FAB73BC-B049-4115-A692-8D63A059BFB8}" type="slidenum">
+              <a:rPr lang="en-US" smtClean="0"/>
+              <a:t>8</a:t>
+            </a:fld>
+            <a:endParaRPr lang="en-US" dirty="0"/>
+          </a:p>
+        </p:txBody>
+      </p:sp>
     </p:spTree>
     <p:extLst>
       <p:ext uri="{BB962C8B-B14F-4D97-AF65-F5344CB8AC3E}">
@@ -7495,6 +7975,31 @@
               <a:t>as the actual type argument</a:t>
             </a:r>
             <a:endParaRPr lang="en-US" sz="3000" i="1" dirty="0" smtClean="0"/>
+          </a:p>
+        </p:txBody>
+      </p:sp>
+      <p:sp>
+        <p:nvSpPr>
+          <p:cNvPr id="4" name="Slide Number Placeholder 3"/>
+          <p:cNvSpPr>
+            <a:spLocks noGrp="1"/>
+          </p:cNvSpPr>
+          <p:nvPr>
+            <p:ph type="sldNum" sz="quarter" idx="12"/>
+          </p:nvPr>
+        </p:nvSpPr>
+        <p:spPr/>
+        <p:txBody>
+          <a:bodyPr>
+            <a:normAutofit lnSpcReduction="10000"/>
+          </a:bodyPr>
+          <a:lstStyle/>
+          <a:p>
+            <a:fld id="{4FAB73BC-B049-4115-A692-8D63A059BFB8}" type="slidenum">
+              <a:rPr lang="en-US" smtClean="0"/>
+              <a:t>9</a:t>
+            </a:fld>
+            <a:endParaRPr lang="en-US" dirty="0"/>
           </a:p>
         </p:txBody>
       </p:sp>

--- a/week_12/week_12.pptx
+++ b/week_12/week_12.pptx
@@ -5,27 +5,26 @@
     <p:sldMasterId id="2147483840" r:id="rId1"/>
   </p:sldMasterIdLst>
   <p:notesMasterIdLst>
-    <p:notesMasterId r:id="rId20"/>
+    <p:notesMasterId r:id="rId19"/>
   </p:notesMasterIdLst>
   <p:sldIdLst>
     <p:sldId id="256" r:id="rId2"/>
     <p:sldId id="258" r:id="rId3"/>
-    <p:sldId id="312" r:id="rId4"/>
-    <p:sldId id="293" r:id="rId5"/>
-    <p:sldId id="257" r:id="rId6"/>
-    <p:sldId id="313" r:id="rId7"/>
-    <p:sldId id="314" r:id="rId8"/>
-    <p:sldId id="315" r:id="rId9"/>
-    <p:sldId id="316" r:id="rId10"/>
-    <p:sldId id="317" r:id="rId11"/>
-    <p:sldId id="323" r:id="rId12"/>
-    <p:sldId id="319" r:id="rId13"/>
-    <p:sldId id="318" r:id="rId14"/>
-    <p:sldId id="320" r:id="rId15"/>
-    <p:sldId id="321" r:id="rId16"/>
-    <p:sldId id="322" r:id="rId17"/>
-    <p:sldId id="324" r:id="rId18"/>
-    <p:sldId id="307" r:id="rId19"/>
+    <p:sldId id="293" r:id="rId4"/>
+    <p:sldId id="257" r:id="rId5"/>
+    <p:sldId id="313" r:id="rId6"/>
+    <p:sldId id="314" r:id="rId7"/>
+    <p:sldId id="315" r:id="rId8"/>
+    <p:sldId id="316" r:id="rId9"/>
+    <p:sldId id="317" r:id="rId10"/>
+    <p:sldId id="323" r:id="rId11"/>
+    <p:sldId id="319" r:id="rId12"/>
+    <p:sldId id="318" r:id="rId13"/>
+    <p:sldId id="320" r:id="rId14"/>
+    <p:sldId id="321" r:id="rId15"/>
+    <p:sldId id="322" r:id="rId16"/>
+    <p:sldId id="324" r:id="rId17"/>
+    <p:sldId id="307" r:id="rId18"/>
   </p:sldIdLst>
   <p:sldSz cx="12192000" cy="6858000"/>
   <p:notesSz cx="6858000" cy="9144000"/>
@@ -214,7 +213,7 @@
           <a:p>
             <a:fld id="{A756DEA0-F944-5946-9B95-BC7B5255CD05}" type="datetimeFigureOut">
               <a:rPr lang="en-US" smtClean="0"/>
-              <a:t>11/14/16</a:t>
+              <a:t>4/11/17</a:t>
             </a:fld>
             <a:endParaRPr lang="en-US"/>
           </a:p>
@@ -631,7 +630,7 @@
           <a:p>
             <a:fld id="{0FF3EE0D-70A9-3744-80A0-179DFFBD3C67}" type="slidenum">
               <a:rPr lang="en-US" smtClean="0"/>
-              <a:t>13</a:t>
+              <a:t>12</a:t>
             </a:fld>
             <a:endParaRPr lang="en-US"/>
           </a:p>
@@ -715,7 +714,7 @@
           <a:p>
             <a:fld id="{0FF3EE0D-70A9-3744-80A0-179DFFBD3C67}" type="slidenum">
               <a:rPr lang="en-US" smtClean="0"/>
-              <a:t>14</a:t>
+              <a:t>13</a:t>
             </a:fld>
             <a:endParaRPr lang="en-US"/>
           </a:p>
@@ -799,7 +798,7 @@
           <a:p>
             <a:fld id="{0FF3EE0D-70A9-3744-80A0-179DFFBD3C67}" type="slidenum">
               <a:rPr lang="en-US" smtClean="0"/>
-              <a:t>15</a:t>
+              <a:t>14</a:t>
             </a:fld>
             <a:endParaRPr lang="en-US"/>
           </a:p>
@@ -883,7 +882,7 @@
           <a:p>
             <a:fld id="{0FF3EE0D-70A9-3744-80A0-179DFFBD3C67}" type="slidenum">
               <a:rPr lang="en-US" smtClean="0"/>
-              <a:t>16</a:t>
+              <a:t>15</a:t>
             </a:fld>
             <a:endParaRPr lang="en-US"/>
           </a:p>
@@ -967,7 +966,7 @@
           <a:p>
             <a:fld id="{0FF3EE0D-70A9-3744-80A0-179DFFBD3C67}" type="slidenum">
               <a:rPr lang="en-US" smtClean="0"/>
-              <a:t>17</a:t>
+              <a:t>16</a:t>
             </a:fld>
             <a:endParaRPr lang="en-US"/>
           </a:p>
@@ -1051,7 +1050,7 @@
           <a:p>
             <a:fld id="{0FF3EE0D-70A9-3744-80A0-179DFFBD3C67}" type="slidenum">
               <a:rPr lang="en-US" smtClean="0"/>
-              <a:t>5</a:t>
+              <a:t>4</a:t>
             </a:fld>
             <a:endParaRPr lang="en-US"/>
           </a:p>
@@ -1135,7 +1134,7 @@
           <a:p>
             <a:fld id="{0FF3EE0D-70A9-3744-80A0-179DFFBD3C67}" type="slidenum">
               <a:rPr lang="en-US" smtClean="0"/>
-              <a:t>6</a:t>
+              <a:t>5</a:t>
             </a:fld>
             <a:endParaRPr lang="en-US"/>
           </a:p>
@@ -1219,7 +1218,7 @@
           <a:p>
             <a:fld id="{0FF3EE0D-70A9-3744-80A0-179DFFBD3C67}" type="slidenum">
               <a:rPr lang="en-US" smtClean="0"/>
-              <a:t>7</a:t>
+              <a:t>6</a:t>
             </a:fld>
             <a:endParaRPr lang="en-US"/>
           </a:p>
@@ -1303,7 +1302,7 @@
           <a:p>
             <a:fld id="{0FF3EE0D-70A9-3744-80A0-179DFFBD3C67}" type="slidenum">
               <a:rPr lang="en-US" smtClean="0"/>
-              <a:t>8</a:t>
+              <a:t>7</a:t>
             </a:fld>
             <a:endParaRPr lang="en-US"/>
           </a:p>
@@ -1387,7 +1386,7 @@
           <a:p>
             <a:fld id="{0FF3EE0D-70A9-3744-80A0-179DFFBD3C67}" type="slidenum">
               <a:rPr lang="en-US" smtClean="0"/>
-              <a:t>9</a:t>
+              <a:t>8</a:t>
             </a:fld>
             <a:endParaRPr lang="en-US"/>
           </a:p>
@@ -1471,7 +1470,7 @@
           <a:p>
             <a:fld id="{0FF3EE0D-70A9-3744-80A0-179DFFBD3C67}" type="slidenum">
               <a:rPr lang="en-US" smtClean="0"/>
-              <a:t>10</a:t>
+              <a:t>9</a:t>
             </a:fld>
             <a:endParaRPr lang="en-US"/>
           </a:p>
@@ -1555,7 +1554,7 @@
           <a:p>
             <a:fld id="{0FF3EE0D-70A9-3744-80A0-179DFFBD3C67}" type="slidenum">
               <a:rPr lang="en-US" smtClean="0"/>
-              <a:t>11</a:t>
+              <a:t>10</a:t>
             </a:fld>
             <a:endParaRPr lang="en-US"/>
           </a:p>
@@ -1639,7 +1638,7 @@
           <a:p>
             <a:fld id="{0FF3EE0D-70A9-3744-80A0-179DFFBD3C67}" type="slidenum">
               <a:rPr lang="en-US" smtClean="0"/>
-              <a:t>12</a:t>
+              <a:t>11</a:t>
             </a:fld>
             <a:endParaRPr lang="en-US"/>
           </a:p>
@@ -1826,7 +1825,7 @@
           <a:p>
             <a:fld id="{E0252C48-3F67-D341-8672-081553B4D34D}" type="datetime1">
               <a:rPr lang="en-US" smtClean="0"/>
-              <a:t>11/14/16</a:t>
+              <a:t>4/11/17</a:t>
             </a:fld>
             <a:endParaRPr lang="en-US" dirty="0"/>
           </a:p>
@@ -2050,7 +2049,7 @@
           <a:p>
             <a:fld id="{2BC3E32A-15F6-AE4B-83EA-CE806D4E6EB8}" type="datetime1">
               <a:rPr lang="en-US" smtClean="0"/>
-              <a:t>11/14/16</a:t>
+              <a:t>4/11/17</a:t>
             </a:fld>
             <a:endParaRPr lang="en-US" dirty="0"/>
           </a:p>
@@ -2225,7 +2224,7 @@
           <a:p>
             <a:fld id="{A0388E53-4108-AF4D-9BB4-B2A790A9EF1B}" type="datetime1">
               <a:rPr lang="en-US" smtClean="0"/>
-              <a:t>11/14/16</a:t>
+              <a:t>4/11/17</a:t>
             </a:fld>
             <a:endParaRPr lang="en-US" dirty="0"/>
           </a:p>
@@ -2390,7 +2389,7 @@
           <a:p>
             <a:fld id="{53D3D8E4-A904-4A4D-A4D7-759CDBECAFB8}" type="datetime1">
               <a:rPr lang="en-US" smtClean="0"/>
-              <a:t>11/14/16</a:t>
+              <a:t>4/11/17</a:t>
             </a:fld>
             <a:endParaRPr lang="en-US" dirty="0"/>
           </a:p>
@@ -2639,7 +2638,7 @@
           <a:p>
             <a:fld id="{028DBA63-AF12-1545-9449-24750F677CF9}" type="datetime1">
               <a:rPr lang="en-US" smtClean="0"/>
-              <a:t>11/14/16</a:t>
+              <a:t>4/11/17</a:t>
             </a:fld>
             <a:endParaRPr lang="en-US" dirty="0"/>
           </a:p>
@@ -2960,7 +2959,7 @@
           <a:p>
             <a:fld id="{B2170154-6070-C145-95A0-6560815C043C}" type="datetime1">
               <a:rPr lang="en-US" smtClean="0"/>
-              <a:t>11/14/16</a:t>
+              <a:t>4/11/17</a:t>
             </a:fld>
             <a:endParaRPr lang="en-US" dirty="0"/>
           </a:p>
@@ -3406,7 +3405,7 @@
           <a:p>
             <a:fld id="{DE08DB36-A457-2E48-A4F9-833AFF7E5B78}" type="datetime1">
               <a:rPr lang="en-US" smtClean="0"/>
-              <a:t>11/14/16</a:t>
+              <a:t>4/11/17</a:t>
             </a:fld>
             <a:endParaRPr lang="en-US" dirty="0"/>
           </a:p>
@@ -3519,7 +3518,7 @@
           <a:p>
             <a:fld id="{33C065FC-EDAC-F046-A954-FA69FED51777}" type="datetime1">
               <a:rPr lang="en-US" smtClean="0"/>
-              <a:t>11/14/16</a:t>
+              <a:t>4/11/17</a:t>
             </a:fld>
             <a:endParaRPr lang="en-US" dirty="0"/>
           </a:p>
@@ -3609,7 +3608,7 @@
           <a:p>
             <a:fld id="{820C98F1-F8A2-3A4B-B3AE-5F0FF99C1470}" type="datetime1">
               <a:rPr lang="en-US" smtClean="0"/>
-              <a:t>11/14/16</a:t>
+              <a:t>4/11/17</a:t>
             </a:fld>
             <a:endParaRPr lang="en-US" dirty="0"/>
           </a:p>
@@ -3891,7 +3890,7 @@
           <a:p>
             <a:fld id="{96C853FC-BFB0-464E-B166-401613C0160D}" type="datetime1">
               <a:rPr lang="en-US" smtClean="0"/>
-              <a:t>11/14/16</a:t>
+              <a:t>4/11/17</a:t>
             </a:fld>
             <a:endParaRPr lang="en-US" dirty="0"/>
           </a:p>
@@ -4211,7 +4210,7 @@
           <a:p>
             <a:fld id="{3946F647-BC0F-E14B-8AB7-7F712458675F}" type="datetime1">
               <a:rPr lang="en-US" smtClean="0"/>
-              <a:t>11/14/16</a:t>
+              <a:t>4/11/17</a:t>
             </a:fld>
             <a:endParaRPr lang="en-US" dirty="0"/>
           </a:p>
@@ -4460,7 +4459,7 @@
           <a:p>
             <a:fld id="{20D8BF37-9AE2-5B4F-82A7-E9EB1A776AF8}" type="datetime1">
               <a:rPr lang="en-US" smtClean="0"/>
-              <a:t>11/14/16</a:t>
+              <a:t>4/11/17</a:t>
             </a:fld>
             <a:endParaRPr lang="en-US" dirty="0"/>
           </a:p>
@@ -4962,40 +4961,31 @@
           <a:p>
             <a:r>
               <a:rPr lang="en-US" dirty="0" smtClean="0"/>
-              <a:t>Programming </a:t>
-            </a:r>
+              <a:t>Programming Fundamentals for Android</a:t>
+            </a:r>
+            <a:endParaRPr lang="en-US" dirty="0"/>
+          </a:p>
+        </p:txBody>
+      </p:sp>
+      <p:sp>
+        <p:nvSpPr>
+          <p:cNvPr id="3" name="Subtitle 2"/>
+          <p:cNvSpPr>
+            <a:spLocks noGrp="1"/>
+          </p:cNvSpPr>
+          <p:nvPr>
+            <p:ph type="subTitle" idx="1"/>
+          </p:nvPr>
+        </p:nvSpPr>
+        <p:spPr/>
+        <p:txBody>
+          <a:bodyPr/>
+          <a:lstStyle/>
+          <a:p>
             <a:r>
               <a:rPr lang="en-US" dirty="0" smtClean="0"/>
-              <a:t>Fundamentals for Android</a:t>
-            </a:r>
-            <a:endParaRPr lang="en-US" dirty="0"/>
-          </a:p>
-        </p:txBody>
-      </p:sp>
-      <p:sp>
-        <p:nvSpPr>
-          <p:cNvPr id="3" name="Subtitle 2"/>
-          <p:cNvSpPr>
-            <a:spLocks noGrp="1"/>
-          </p:cNvSpPr>
-          <p:nvPr>
-            <p:ph type="subTitle" idx="1"/>
-          </p:nvPr>
-        </p:nvSpPr>
-        <p:spPr/>
-        <p:txBody>
-          <a:bodyPr/>
-          <a:lstStyle/>
-          <a:p>
-            <a:r>
-              <a:rPr lang="en-US" dirty="0" smtClean="0"/>
-              <a:t>Week 12: </a:t>
-            </a:r>
-            <a:r>
-              <a:rPr lang="en-US" dirty="0" smtClean="0"/>
-              <a:t>Generics</a:t>
-            </a:r>
-            <a:endParaRPr lang="en-US" dirty="0" smtClean="0"/>
+              <a:t>Week 12: Generics</a:t>
+            </a:r>
           </a:p>
         </p:txBody>
       </p:sp>
@@ -5072,7 +5062,7 @@
           <a:p>
             <a:r>
               <a:rPr lang="en-US" dirty="0" smtClean="0"/>
-              <a:t>Kinds of Actual Type Arguments	</a:t>
+              <a:t>Generic Types	</a:t>
             </a:r>
             <a:endParaRPr lang="en-US" dirty="0"/>
           </a:p>
@@ -5091,150 +5081,49 @@
         <p:spPr/>
         <p:txBody>
           <a:bodyPr anchor="ctr">
-            <a:normAutofit fontScale="85000" lnSpcReduction="20000"/>
+            <a:normAutofit/>
           </a:bodyPr>
           <a:lstStyle/>
           <a:p>
-            <a:pPr marL="514350" indent="-514350">
-              <a:buFont typeface="+mj-lt"/>
-              <a:buAutoNum type="arabicPeriod"/>
-            </a:pPr>
+            <a:r>
+              <a:rPr lang="en-US" sz="3000" dirty="0" smtClean="0"/>
+              <a:t>Every generic type also identifies a raw type</a:t>
+            </a:r>
+          </a:p>
+          <a:p>
+            <a:r>
+              <a:rPr lang="en-US" sz="3000" dirty="0" smtClean="0"/>
+              <a:t>A </a:t>
+            </a:r>
             <a:r>
               <a:rPr lang="en-US" sz="3000" b="1" dirty="0" smtClean="0"/>
-              <a:t>Concrete Type</a:t>
+              <a:t>raw type </a:t>
             </a:r>
             <a:r>
               <a:rPr lang="en-US" sz="3000" dirty="0" smtClean="0"/>
-              <a:t>: the name of a class or interface (</a:t>
-            </a:r>
-            <a:r>
-              <a:rPr lang="en-US" sz="3000" i="1" dirty="0" smtClean="0"/>
-              <a:t>List&lt;String&gt;</a:t>
+              <a:t>is specified by using a </a:t>
             </a:r>
             <a:r>
               <a:rPr lang="en-US" sz="3000" dirty="0" smtClean="0"/>
-              <a:t>)</a:t>
-            </a:r>
-          </a:p>
-          <a:p>
-            <a:pPr marL="514350" indent="-514350">
-              <a:buFont typeface="+mj-lt"/>
-              <a:buAutoNum type="arabicPeriod"/>
-            </a:pPr>
-            <a:r>
-              <a:rPr lang="en-US" sz="3000" b="1" dirty="0" smtClean="0"/>
-              <a:t>Concrete Parameterized Type</a:t>
-            </a:r>
+              <a:t>generic type without its parameters</a:t>
+            </a:r>
+          </a:p>
+          <a:p>
             <a:r>
               <a:rPr lang="en-US" sz="3000" dirty="0" smtClean="0"/>
-              <a:t>: another parametrized type (</a:t>
-            </a:r>
-            <a:r>
-              <a:rPr lang="en-US" sz="3000" i="1" dirty="0" smtClean="0"/>
-              <a:t>List&lt;List&lt;String&gt;&gt;</a:t>
+              <a:t>Raw types are not generic </a:t>
             </a:r>
             <a:r>
               <a:rPr lang="en-US" sz="3000" dirty="0" smtClean="0"/>
-              <a:t>)</a:t>
-            </a:r>
-          </a:p>
-          <a:p>
-            <a:pPr marL="514350" indent="-514350">
-              <a:buFont typeface="+mj-lt"/>
-              <a:buAutoNum type="arabicPeriod"/>
-            </a:pPr>
-            <a:r>
-              <a:rPr lang="en-US" sz="3000" b="1" dirty="0" smtClean="0"/>
-              <a:t>Array Type</a:t>
-            </a:r>
+              <a:t>types themselves</a:t>
+            </a:r>
+            <a:endParaRPr lang="en-US" sz="3000" dirty="0" smtClean="0"/>
+          </a:p>
+          <a:p>
             <a:r>
               <a:rPr lang="en-US" sz="3000" dirty="0" smtClean="0"/>
-              <a:t>: array used as the type parameter (</a:t>
-            </a:r>
-            <a:r>
-              <a:rPr lang="en-US" sz="3000" i="1" dirty="0" smtClean="0"/>
-              <a:t>List&lt;String[]&gt;</a:t>
-            </a:r>
-            <a:r>
-              <a:rPr lang="en-US" sz="3000" dirty="0" smtClean="0"/>
-              <a:t>)</a:t>
-            </a:r>
-          </a:p>
-          <a:p>
-            <a:pPr marL="514350" indent="-514350">
-              <a:buFont typeface="+mj-lt"/>
-              <a:buAutoNum type="arabicPeriod"/>
-            </a:pPr>
-            <a:r>
-              <a:rPr lang="en-US" sz="3000" b="1" dirty="0" smtClean="0"/>
-              <a:t>Type Parameter</a:t>
-            </a:r>
-            <a:r>
-              <a:rPr lang="en-US" sz="3000" dirty="0" smtClean="0"/>
-              <a:t>: Another type parameter is used for the the type parameter </a:t>
-            </a:r>
-            <a:br>
-              <a:rPr lang="en-US" sz="3000" dirty="0" smtClean="0"/>
-            </a:br>
-            <a:r>
-              <a:rPr lang="en-US" sz="3000" dirty="0" smtClean="0"/>
-              <a:t>(</a:t>
-            </a:r>
-            <a:r>
-              <a:rPr lang="en-US" sz="3000" i="1" dirty="0" smtClean="0"/>
-              <a:t>class X&lt;E&gt; { List&lt;E&gt; </a:t>
-            </a:r>
-            <a:r>
-              <a:rPr lang="en-US" sz="3000" i="1" dirty="0" err="1" smtClean="0"/>
-              <a:t>internalList</a:t>
-            </a:r>
-            <a:r>
-              <a:rPr lang="en-US" sz="3000" i="1" dirty="0" smtClean="0"/>
-              <a:t>; }</a:t>
-            </a:r>
-            <a:r>
-              <a:rPr lang="en-US" sz="3000" dirty="0" smtClean="0"/>
-              <a:t>)</a:t>
-            </a:r>
-          </a:p>
-          <a:p>
-            <a:pPr marL="514350" indent="-514350">
-              <a:buFont typeface="+mj-lt"/>
-              <a:buAutoNum type="arabicPeriod"/>
-            </a:pPr>
-            <a:r>
-              <a:rPr lang="en-US" sz="3000" b="1" dirty="0" err="1" smtClean="0"/>
-              <a:t>WildCard</a:t>
-            </a:r>
-            <a:r>
-              <a:rPr lang="en-US" sz="3000" dirty="0" smtClean="0"/>
-              <a:t>: a wildcard, </a:t>
-            </a:r>
-            <a:r>
-              <a:rPr lang="en-US" sz="3000" i="1" dirty="0" smtClean="0"/>
-              <a:t>?</a:t>
-            </a:r>
-            <a:r>
-              <a:rPr lang="en-US" sz="3000" dirty="0" smtClean="0"/>
-              <a:t>, is used to indicate that the type is unknown (</a:t>
-            </a:r>
-            <a:r>
-              <a:rPr lang="en-US" sz="3000" i="1" dirty="0" smtClean="0"/>
-              <a:t>List&lt;?&gt; </a:t>
-            </a:r>
-            <a:r>
-              <a:rPr lang="en-US" sz="3000" i="1" dirty="0" err="1" smtClean="0"/>
-              <a:t>aList</a:t>
-            </a:r>
-            <a:r>
-              <a:rPr lang="en-US" sz="3000" i="1" dirty="0" smtClean="0"/>
-              <a:t>;</a:t>
-            </a:r>
-            <a:r>
-              <a:rPr lang="en-US" sz="3000" dirty="0" smtClean="0"/>
-              <a:t>)</a:t>
-            </a:r>
-            <a:endParaRPr lang="en-US" sz="3000" b="1" dirty="0" smtClean="0"/>
+              <a:t>Can be used but does not have type safety checks</a:t>
+            </a:r>
           </a:p>
         </p:txBody>
       </p:sp>
@@ -5266,7 +5155,7 @@
     </p:spTree>
     <p:extLst>
       <p:ext uri="{BB962C8B-B14F-4D97-AF65-F5344CB8AC3E}">
-        <p14:creationId xmlns:p14="http://schemas.microsoft.com/office/powerpoint/2010/main" val="30900463"/>
+        <p14:creationId xmlns:p14="http://schemas.microsoft.com/office/powerpoint/2010/main" val="575646348"/>
       </p:ext>
     </p:extLst>
   </p:cSld>
@@ -5310,7 +5199,7 @@
           <a:p>
             <a:r>
               <a:rPr lang="en-US" dirty="0" smtClean="0"/>
-              <a:t>Generic Types	</a:t>
+              <a:t>Declaring and Using Generic Types</a:t>
             </a:r>
             <a:endParaRPr lang="en-US" dirty="0"/>
           </a:p>
@@ -5335,33 +5224,7 @@
           <a:p>
             <a:r>
               <a:rPr lang="en-US" sz="3000" dirty="0" smtClean="0"/>
-              <a:t>Every generic type also identifies a raw type</a:t>
-            </a:r>
-          </a:p>
-          <a:p>
-            <a:r>
-              <a:rPr lang="en-US" sz="3000" dirty="0" smtClean="0"/>
-              <a:t>A </a:t>
-            </a:r>
-            <a:r>
-              <a:rPr lang="en-US" sz="3000" b="1" dirty="0" smtClean="0"/>
-              <a:t>raw type </a:t>
-            </a:r>
-            <a:r>
-              <a:rPr lang="en-US" sz="3000" dirty="0" smtClean="0"/>
-              <a:t>is a generic type without its parameters</a:t>
-            </a:r>
-          </a:p>
-          <a:p>
-            <a:r>
-              <a:rPr lang="en-US" sz="3000" dirty="0" smtClean="0"/>
-              <a:t>Raw types are not generic types</a:t>
-            </a:r>
-          </a:p>
-          <a:p>
-            <a:r>
-              <a:rPr lang="en-US" sz="3000" dirty="0" smtClean="0"/>
-              <a:t>Can be used but does not have type safety checks</a:t>
+              <a:t>To declare a generic type, specify a formal type parameter list when declaring a class or interface and make use of them in the implementation</a:t>
             </a:r>
           </a:p>
         </p:txBody>
@@ -5394,7 +5257,7 @@
     </p:spTree>
     <p:extLst>
       <p:ext uri="{BB962C8B-B14F-4D97-AF65-F5344CB8AC3E}">
-        <p14:creationId xmlns:p14="http://schemas.microsoft.com/office/powerpoint/2010/main" val="575646348"/>
+        <p14:creationId xmlns:p14="http://schemas.microsoft.com/office/powerpoint/2010/main" val="1188795950"/>
       </p:ext>
     </p:extLst>
   </p:cSld>
@@ -5438,7 +5301,7 @@
           <a:p>
             <a:r>
               <a:rPr lang="en-US" dirty="0" smtClean="0"/>
-              <a:t>Declaring and Using Generic Types</a:t>
+              <a:t>Type Parameter Bounds</a:t>
             </a:r>
             <a:endParaRPr lang="en-US" dirty="0"/>
           </a:p>
@@ -5457,13 +5320,47 @@
         <p:spPr/>
         <p:txBody>
           <a:bodyPr anchor="ctr">
-            <a:normAutofit/>
+            <a:normAutofit fontScale="92500"/>
           </a:bodyPr>
           <a:lstStyle/>
           <a:p>
             <a:r>
               <a:rPr lang="en-US" sz="3000" dirty="0" smtClean="0"/>
-              <a:t>To declare a generic type, specify a formal type parameter list when declaring a class or interface and make use of them in the implementation</a:t>
+              <a:t>An </a:t>
+            </a:r>
+            <a:r>
+              <a:rPr lang="en-US" sz="3000" b="1" dirty="0" smtClean="0"/>
+              <a:t>unbounded type parameter </a:t>
+            </a:r>
+            <a:r>
+              <a:rPr lang="en-US" sz="3000" dirty="0" smtClean="0"/>
+              <a:t>accepts any type as the actual type argument</a:t>
+            </a:r>
+          </a:p>
+          <a:p>
+            <a:r>
+              <a:rPr lang="en-US" sz="3000" dirty="0" smtClean="0"/>
+              <a:t>We can restrict the actual type arguments by specifying and upper bound</a:t>
+            </a:r>
+          </a:p>
+          <a:p>
+            <a:r>
+              <a:rPr lang="en-US" sz="3000" dirty="0" smtClean="0"/>
+              <a:t>An </a:t>
+            </a:r>
+            <a:r>
+              <a:rPr lang="en-US" sz="3000" b="1" dirty="0" smtClean="0"/>
+              <a:t>upper bound </a:t>
+            </a:r>
+            <a:r>
+              <a:rPr lang="en-US" sz="3000" dirty="0" smtClean="0"/>
+              <a:t>is a type that serves as an upper limit (in terms of subtyping) on the types that can be chosen as actual type arguments</a:t>
+            </a:r>
+          </a:p>
+          <a:p>
+            <a:r>
+              <a:rPr lang="en-US" sz="3000" dirty="0" smtClean="0"/>
+              <a:t>Specify multiple upper bounds using “&amp;” character</a:t>
             </a:r>
           </a:p>
         </p:txBody>
@@ -5496,7 +5393,7 @@
     </p:spTree>
     <p:extLst>
       <p:ext uri="{BB962C8B-B14F-4D97-AF65-F5344CB8AC3E}">
-        <p14:creationId xmlns:p14="http://schemas.microsoft.com/office/powerpoint/2010/main" val="1188795950"/>
+        <p14:creationId xmlns:p14="http://schemas.microsoft.com/office/powerpoint/2010/main" val="1243832113"/>
       </p:ext>
     </p:extLst>
   </p:cSld>
@@ -5540,7 +5437,7 @@
           <a:p>
             <a:r>
               <a:rPr lang="en-US" dirty="0" smtClean="0"/>
-              <a:t>Type Parameter Bounds</a:t>
+              <a:t>Type Parameter Scope</a:t>
             </a:r>
             <a:endParaRPr lang="en-US" dirty="0"/>
           </a:p>
@@ -5559,47 +5456,13 @@
         <p:spPr/>
         <p:txBody>
           <a:bodyPr anchor="ctr">
-            <a:normAutofit fontScale="92500"/>
+            <a:normAutofit/>
           </a:bodyPr>
           <a:lstStyle/>
           <a:p>
             <a:r>
               <a:rPr lang="en-US" sz="3000" dirty="0" smtClean="0"/>
-              <a:t>An </a:t>
-            </a:r>
-            <a:r>
-              <a:rPr lang="en-US" sz="3000" b="1" dirty="0" smtClean="0"/>
-              <a:t>unbounded type parameter </a:t>
-            </a:r>
-            <a:r>
-              <a:rPr lang="en-US" sz="3000" dirty="0" smtClean="0"/>
-              <a:t>accepts any type as the actual type argument</a:t>
-            </a:r>
-          </a:p>
-          <a:p>
-            <a:r>
-              <a:rPr lang="en-US" sz="3000" dirty="0" smtClean="0"/>
-              <a:t>We can restrict the actual type arguments by specifying and upper bound</a:t>
-            </a:r>
-          </a:p>
-          <a:p>
-            <a:r>
-              <a:rPr lang="en-US" sz="3000" dirty="0" smtClean="0"/>
-              <a:t>An </a:t>
-            </a:r>
-            <a:r>
-              <a:rPr lang="en-US" sz="3000" b="1" dirty="0" smtClean="0"/>
-              <a:t>upper bound </a:t>
-            </a:r>
-            <a:r>
-              <a:rPr lang="en-US" sz="3000" dirty="0" smtClean="0"/>
-              <a:t>is a type that serves as an upper limit (in terms of subtyping) on the types that can be chosen as actual type arguments</a:t>
-            </a:r>
-          </a:p>
-          <a:p>
-            <a:r>
-              <a:rPr lang="en-US" sz="3000" dirty="0" smtClean="0"/>
-              <a:t>Specify multiple upper bounds using “&amp;” character</a:t>
+              <a:t>Type parameter’s scope is the entire corresponding class unless the type parameter is masked. </a:t>
             </a:r>
           </a:p>
         </p:txBody>
@@ -5624,108 +5487,6 @@
             <a:fld id="{4FAB73BC-B049-4115-A692-8D63A059BFB8}" type="slidenum">
               <a:rPr lang="en-US" smtClean="0"/>
               <a:t>13</a:t>
-            </a:fld>
-            <a:endParaRPr lang="en-US" dirty="0"/>
-          </a:p>
-        </p:txBody>
-      </p:sp>
-    </p:spTree>
-    <p:extLst>
-      <p:ext uri="{BB962C8B-B14F-4D97-AF65-F5344CB8AC3E}">
-        <p14:creationId xmlns:p14="http://schemas.microsoft.com/office/powerpoint/2010/main" val="1243832113"/>
-      </p:ext>
-    </p:extLst>
-  </p:cSld>
-  <p:clrMapOvr>
-    <a:masterClrMapping/>
-  </p:clrMapOvr>
-</p:sld>
-</file>
-
-<file path=ppt/slides/slide14.xml><?xml version="1.0" encoding="utf-8"?>
-<p:sld xmlns:a="http://schemas.openxmlformats.org/drawingml/2006/main" xmlns:r="http://schemas.openxmlformats.org/officeDocument/2006/relationships" xmlns:p="http://schemas.openxmlformats.org/presentationml/2006/main">
-  <p:cSld>
-    <p:spTree>
-      <p:nvGrpSpPr>
-        <p:cNvPr id="1" name=""/>
-        <p:cNvGrpSpPr/>
-        <p:nvPr/>
-      </p:nvGrpSpPr>
-      <p:grpSpPr>
-        <a:xfrm>
-          <a:off x="0" y="0"/>
-          <a:ext cx="0" cy="0"/>
-          <a:chOff x="0" y="0"/>
-          <a:chExt cx="0" cy="0"/>
-        </a:xfrm>
-      </p:grpSpPr>
-      <p:sp>
-        <p:nvSpPr>
-          <p:cNvPr id="3" name="Title 2"/>
-          <p:cNvSpPr>
-            <a:spLocks noGrp="1"/>
-          </p:cNvSpPr>
-          <p:nvPr>
-            <p:ph type="title"/>
-          </p:nvPr>
-        </p:nvSpPr>
-        <p:spPr/>
-        <p:txBody>
-          <a:bodyPr/>
-          <a:lstStyle/>
-          <a:p>
-            <a:r>
-              <a:rPr lang="en-US" dirty="0" smtClean="0"/>
-              <a:t>Type Parameter Scope</a:t>
-            </a:r>
-            <a:endParaRPr lang="en-US" dirty="0"/>
-          </a:p>
-        </p:txBody>
-      </p:sp>
-      <p:sp>
-        <p:nvSpPr>
-          <p:cNvPr id="2" name="Content Placeholder 1"/>
-          <p:cNvSpPr>
-            <a:spLocks noGrp="1"/>
-          </p:cNvSpPr>
-          <p:nvPr>
-            <p:ph idx="1"/>
-          </p:nvPr>
-        </p:nvSpPr>
-        <p:spPr/>
-        <p:txBody>
-          <a:bodyPr anchor="ctr">
-            <a:normAutofit/>
-          </a:bodyPr>
-          <a:lstStyle/>
-          <a:p>
-            <a:r>
-              <a:rPr lang="en-US" sz="3000" dirty="0" smtClean="0"/>
-              <a:t>Type parameter’s scope is the entire corresponding class unless the type parameter is masked. </a:t>
-            </a:r>
-          </a:p>
-        </p:txBody>
-      </p:sp>
-      <p:sp>
-        <p:nvSpPr>
-          <p:cNvPr id="4" name="Slide Number Placeholder 3"/>
-          <p:cNvSpPr>
-            <a:spLocks noGrp="1"/>
-          </p:cNvSpPr>
-          <p:nvPr>
-            <p:ph type="sldNum" sz="quarter" idx="12"/>
-          </p:nvPr>
-        </p:nvSpPr>
-        <p:spPr/>
-        <p:txBody>
-          <a:bodyPr>
-            <a:normAutofit lnSpcReduction="10000"/>
-          </a:bodyPr>
-          <a:lstStyle/>
-          <a:p>
-            <a:fld id="{4FAB73BC-B049-4115-A692-8D63A059BFB8}" type="slidenum">
-              <a:rPr lang="en-US" smtClean="0"/>
-              <a:t>14</a:t>
             </a:fld>
             <a:endParaRPr lang="en-US" dirty="0"/>
           </a:p>
@@ -5744,7 +5505,7 @@
 </p:sld>
 </file>
 
-<file path=ppt/slides/slide15.xml><?xml version="1.0" encoding="utf-8"?>
+<file path=ppt/slides/slide14.xml><?xml version="1.0" encoding="utf-8"?>
 <p:sld xmlns:a="http://schemas.openxmlformats.org/drawingml/2006/main" xmlns:r="http://schemas.openxmlformats.org/officeDocument/2006/relationships" xmlns:p="http://schemas.openxmlformats.org/presentationml/2006/main">
   <p:cSld>
     <p:spTree>
@@ -6362,7 +6123,7 @@
           <a:p>
             <a:fld id="{4FAB73BC-B049-4115-A692-8D63A059BFB8}" type="slidenum">
               <a:rPr lang="en-US" smtClean="0"/>
-              <a:t>15</a:t>
+              <a:t>14</a:t>
             </a:fld>
             <a:endParaRPr lang="en-US" dirty="0"/>
           </a:p>
@@ -6372,6 +6133,148 @@
     <p:extLst>
       <p:ext uri="{BB962C8B-B14F-4D97-AF65-F5344CB8AC3E}">
         <p14:creationId xmlns:p14="http://schemas.microsoft.com/office/powerpoint/2010/main" val="637619885"/>
+      </p:ext>
+    </p:extLst>
+  </p:cSld>
+  <p:clrMapOvr>
+    <a:masterClrMapping/>
+  </p:clrMapOvr>
+</p:sld>
+</file>
+
+<file path=ppt/slides/slide15.xml><?xml version="1.0" encoding="utf-8"?>
+<p:sld xmlns:a="http://schemas.openxmlformats.org/drawingml/2006/main" xmlns:r="http://schemas.openxmlformats.org/officeDocument/2006/relationships" xmlns:p="http://schemas.openxmlformats.org/presentationml/2006/main">
+  <p:cSld>
+    <p:spTree>
+      <p:nvGrpSpPr>
+        <p:cNvPr id="1" name=""/>
+        <p:cNvGrpSpPr/>
+        <p:nvPr/>
+      </p:nvGrpSpPr>
+      <p:grpSpPr>
+        <a:xfrm>
+          <a:off x="0" y="0"/>
+          <a:ext cx="0" cy="0"/>
+          <a:chOff x="0" y="0"/>
+          <a:chExt cx="0" cy="0"/>
+        </a:xfrm>
+      </p:grpSpPr>
+      <p:sp>
+        <p:nvSpPr>
+          <p:cNvPr id="3" name="Title 2"/>
+          <p:cNvSpPr>
+            <a:spLocks noGrp="1"/>
+          </p:cNvSpPr>
+          <p:nvPr>
+            <p:ph type="title"/>
+          </p:nvPr>
+        </p:nvSpPr>
+        <p:spPr/>
+        <p:txBody>
+          <a:bodyPr/>
+          <a:lstStyle/>
+          <a:p>
+            <a:r>
+              <a:rPr lang="en-US" dirty="0" smtClean="0"/>
+              <a:t>Wildcards</a:t>
+            </a:r>
+            <a:endParaRPr lang="en-US" dirty="0"/>
+          </a:p>
+        </p:txBody>
+      </p:sp>
+      <p:sp>
+        <p:nvSpPr>
+          <p:cNvPr id="2" name="Content Placeholder 1"/>
+          <p:cNvSpPr>
+            <a:spLocks noGrp="1"/>
+          </p:cNvSpPr>
+          <p:nvPr>
+            <p:ph idx="1"/>
+          </p:nvPr>
+        </p:nvSpPr>
+        <p:spPr/>
+        <p:txBody>
+          <a:bodyPr anchor="ctr">
+            <a:normAutofit/>
+          </a:bodyPr>
+          <a:lstStyle/>
+          <a:p>
+            <a:r>
+              <a:rPr lang="en-US" sz="3000" dirty="0" smtClean="0"/>
+              <a:t>Polymorphic behavior doesn’t apply to parameterized types</a:t>
+            </a:r>
+          </a:p>
+          <a:p>
+            <a:r>
+              <a:rPr lang="en-US" sz="3000" dirty="0" smtClean="0"/>
+              <a:t>If </a:t>
+            </a:r>
+            <a:r>
+              <a:rPr lang="en-US" sz="3000" i="1" dirty="0" smtClean="0"/>
+              <a:t>x</a:t>
+            </a:r>
+            <a:r>
+              <a:rPr lang="en-US" sz="3000" dirty="0" smtClean="0"/>
+              <a:t> is a subtype of </a:t>
+            </a:r>
+            <a:r>
+              <a:rPr lang="en-US" sz="3000" i="1" dirty="0" smtClean="0"/>
+              <a:t>y</a:t>
+            </a:r>
+            <a:r>
+              <a:rPr lang="en-US" sz="3000" dirty="0" smtClean="0"/>
+              <a:t>, </a:t>
+            </a:r>
+            <a:r>
+              <a:rPr lang="en-US" sz="3000" i="1" dirty="0" smtClean="0"/>
+              <a:t>G&lt;x&gt; </a:t>
+            </a:r>
+            <a:r>
+              <a:rPr lang="en-US" sz="3000" dirty="0" smtClean="0"/>
+              <a:t>is not a subtype of </a:t>
+            </a:r>
+            <a:r>
+              <a:rPr lang="en-US" sz="3000" i="1" dirty="0" smtClean="0"/>
+              <a:t>G&lt;y&gt;</a:t>
+            </a:r>
+          </a:p>
+          <a:p>
+            <a:r>
+              <a:rPr lang="en-US" sz="3000" dirty="0" smtClean="0"/>
+              <a:t>Used to represent any type</a:t>
+            </a:r>
+          </a:p>
+        </p:txBody>
+      </p:sp>
+      <p:sp>
+        <p:nvSpPr>
+          <p:cNvPr id="4" name="Slide Number Placeholder 3"/>
+          <p:cNvSpPr>
+            <a:spLocks noGrp="1"/>
+          </p:cNvSpPr>
+          <p:nvPr>
+            <p:ph type="sldNum" sz="quarter" idx="12"/>
+          </p:nvPr>
+        </p:nvSpPr>
+        <p:spPr/>
+        <p:txBody>
+          <a:bodyPr>
+            <a:normAutofit lnSpcReduction="10000"/>
+          </a:bodyPr>
+          <a:lstStyle/>
+          <a:p>
+            <a:fld id="{4FAB73BC-B049-4115-A692-8D63A059BFB8}" type="slidenum">
+              <a:rPr lang="en-US" smtClean="0"/>
+              <a:t>15</a:t>
+            </a:fld>
+            <a:endParaRPr lang="en-US" dirty="0"/>
+          </a:p>
+        </p:txBody>
+      </p:sp>
+    </p:spTree>
+    <p:extLst>
+      <p:ext uri="{BB962C8B-B14F-4D97-AF65-F5344CB8AC3E}">
+        <p14:creationId xmlns:p14="http://schemas.microsoft.com/office/powerpoint/2010/main" val="1761140658"/>
       </p:ext>
     </p:extLst>
   </p:cSld>
@@ -6415,7 +6318,7 @@
           <a:p>
             <a:r>
               <a:rPr lang="en-US" dirty="0" smtClean="0"/>
-              <a:t>Wildcards</a:t>
+              <a:t>Generic Methods</a:t>
             </a:r>
             <a:endParaRPr lang="en-US" dirty="0"/>
           </a:p>
@@ -6431,63 +6334,165 @@
             <p:ph idx="1"/>
           </p:nvPr>
         </p:nvSpPr>
-        <p:spPr/>
+        <p:spPr>
+          <a:xfrm>
+            <a:off x="271849" y="4032082"/>
+            <a:ext cx="10682663" cy="1643449"/>
+          </a:xfrm>
+        </p:spPr>
         <p:txBody>
           <a:bodyPr anchor="ctr">
             <a:normAutofit/>
           </a:bodyPr>
           <a:lstStyle/>
           <a:p>
-            <a:r>
-              <a:rPr lang="en-US" sz="3000" dirty="0" smtClean="0"/>
-              <a:t>Polymorphic behavior doesn’t apply to parameterized types</a:t>
-            </a:r>
-          </a:p>
-          <a:p>
-            <a:r>
-              <a:rPr lang="en-US" sz="3000" dirty="0" smtClean="0"/>
-              <a:t>If </a:t>
-            </a:r>
-            <a:r>
-              <a:rPr lang="en-US" sz="3000" i="1" dirty="0" smtClean="0"/>
-              <a:t>x</a:t>
-            </a:r>
-            <a:r>
-              <a:rPr lang="en-US" sz="3000" dirty="0" smtClean="0"/>
-              <a:t> is a subtype of </a:t>
-            </a:r>
-            <a:r>
-              <a:rPr lang="en-US" sz="3000" i="1" dirty="0" smtClean="0"/>
-              <a:t>y</a:t>
-            </a:r>
-            <a:r>
-              <a:rPr lang="en-US" sz="3000" dirty="0" smtClean="0"/>
-              <a:t>, </a:t>
-            </a:r>
-            <a:r>
-              <a:rPr lang="en-US" sz="3000" i="1" dirty="0" smtClean="0"/>
-              <a:t>G&lt;x&gt; </a:t>
-            </a:r>
-            <a:r>
-              <a:rPr lang="en-US" sz="3000" dirty="0" smtClean="0"/>
-              <a:t>is not a subtype of </a:t>
-            </a:r>
-            <a:r>
-              <a:rPr lang="en-US" sz="3000" i="1" dirty="0" smtClean="0"/>
-              <a:t>G&lt;y&gt;</a:t>
-            </a:r>
-          </a:p>
-          <a:p>
-            <a:r>
-              <a:rPr lang="en-US" sz="3000" dirty="0" smtClean="0"/>
-              <a:t>Used to represent any type</a:t>
-            </a:r>
-          </a:p>
-        </p:txBody>
-      </p:sp>
-      <p:sp>
-        <p:nvSpPr>
-          <p:cNvPr id="4" name="Slide Number Placeholder 3"/>
+            <a:pPr marL="0" lvl="0" indent="0">
+              <a:lnSpc>
+                <a:spcPct val="100000"/>
+              </a:lnSpc>
+              <a:spcBef>
+                <a:spcPts val="0"/>
+              </a:spcBef>
+              <a:spcAft>
+                <a:spcPts val="0"/>
+              </a:spcAft>
+              <a:buClrTx/>
+              <a:buSzTx/>
+              <a:buNone/>
+            </a:pPr>
+            <a:r>
+              <a:rPr lang="en-US" sz="2000" dirty="0">
+                <a:solidFill>
+                  <a:srgbClr val="FF0000"/>
+                </a:solidFill>
+                <a:latin typeface="Consolas" charset="0"/>
+                <a:ea typeface="Consolas" charset="0"/>
+                <a:cs typeface="Consolas" charset="0"/>
+              </a:rPr>
+              <a:t>&lt;</a:t>
+            </a:r>
+            <a:r>
+              <a:rPr lang="en-US" sz="2000" dirty="0" err="1">
+                <a:solidFill>
+                  <a:srgbClr val="FF0000"/>
+                </a:solidFill>
+                <a:latin typeface="Consolas" charset="0"/>
+                <a:ea typeface="Consolas" charset="0"/>
+                <a:cs typeface="Consolas" charset="0"/>
+              </a:rPr>
+              <a:t>formal_type_parameter_list</a:t>
+            </a:r>
+            <a:r>
+              <a:rPr lang="en-US" sz="2000" dirty="0">
+                <a:solidFill>
+                  <a:srgbClr val="FF0000"/>
+                </a:solidFill>
+                <a:latin typeface="Consolas" charset="0"/>
+                <a:ea typeface="Consolas" charset="0"/>
+                <a:cs typeface="Consolas" charset="0"/>
+              </a:rPr>
+              <a:t>&gt; </a:t>
+            </a:r>
+            <a:r>
+              <a:rPr lang="en-US" sz="2000" dirty="0" err="1">
+                <a:solidFill>
+                  <a:srgbClr val="FF0000"/>
+                </a:solidFill>
+                <a:latin typeface="Consolas" charset="0"/>
+                <a:ea typeface="Consolas" charset="0"/>
+                <a:cs typeface="Consolas" charset="0"/>
+              </a:rPr>
+              <a:t>return_type</a:t>
+            </a:r>
+            <a:r>
+              <a:rPr lang="en-US" sz="2000" dirty="0">
+                <a:solidFill>
+                  <a:srgbClr val="FF0000"/>
+                </a:solidFill>
+                <a:latin typeface="Consolas" charset="0"/>
+                <a:ea typeface="Consolas" charset="0"/>
+                <a:cs typeface="Consolas" charset="0"/>
+              </a:rPr>
+              <a:t> identifier(</a:t>
+            </a:r>
+            <a:r>
+              <a:rPr lang="en-US" sz="2000" dirty="0" err="1">
+                <a:solidFill>
+                  <a:srgbClr val="FF0000"/>
+                </a:solidFill>
+                <a:latin typeface="Consolas" charset="0"/>
+                <a:ea typeface="Consolas" charset="0"/>
+                <a:cs typeface="Consolas" charset="0"/>
+              </a:rPr>
+              <a:t>parameter_list</a:t>
+            </a:r>
+            <a:r>
+              <a:rPr lang="en-US" sz="2000" dirty="0">
+                <a:solidFill>
+                  <a:srgbClr val="FF0000"/>
+                </a:solidFill>
+                <a:latin typeface="Consolas" charset="0"/>
+                <a:ea typeface="Consolas" charset="0"/>
+                <a:cs typeface="Consolas" charset="0"/>
+              </a:rPr>
+              <a:t>)</a:t>
+            </a:r>
+            <a:endParaRPr lang="en-US" sz="2000" dirty="0" smtClean="0">
+              <a:solidFill>
+                <a:srgbClr val="FF0000"/>
+              </a:solidFill>
+              <a:latin typeface="Consolas" charset="0"/>
+              <a:ea typeface="Consolas" charset="0"/>
+              <a:cs typeface="Consolas" charset="0"/>
+            </a:endParaRPr>
+          </a:p>
+        </p:txBody>
+      </p:sp>
+      <p:sp>
+        <p:nvSpPr>
+          <p:cNvPr id="4" name="TextBox 3"/>
+          <p:cNvSpPr txBox="1"/>
+          <p:nvPr/>
+        </p:nvSpPr>
+        <p:spPr>
+          <a:xfrm>
+            <a:off x="1166478" y="2287622"/>
+            <a:ext cx="8595360" cy="1569660"/>
+          </a:xfrm>
+          <a:prstGeom prst="rect">
+            <a:avLst/>
+          </a:prstGeom>
+          <a:noFill/>
+        </p:spPr>
+        <p:txBody>
+          <a:bodyPr wrap="square" rtlCol="0">
+            <a:spAutoFit/>
+          </a:bodyPr>
+          <a:lstStyle/>
+          <a:p>
+            <a:pPr marL="285750" indent="-285750">
+              <a:buFont typeface="Arial" charset="0"/>
+              <a:buChar char="•"/>
+            </a:pPr>
+            <a:r>
+              <a:rPr lang="en-US" sz="3200" dirty="0" smtClean="0"/>
+              <a:t>A </a:t>
+            </a:r>
+            <a:r>
+              <a:rPr lang="en-US" sz="3200" b="1" dirty="0" smtClean="0"/>
+              <a:t>generic method</a:t>
+            </a:r>
+            <a:r>
+              <a:rPr lang="en-US" sz="3200" dirty="0" smtClean="0"/>
+              <a:t> is a class or instance method with a type-generalized implementation</a:t>
+            </a:r>
+            <a:endParaRPr lang="en-US" sz="3200" dirty="0"/>
+          </a:p>
+        </p:txBody>
+      </p:sp>
+      <p:sp>
+        <p:nvSpPr>
+          <p:cNvPr id="5" name="Slide Number Placeholder 4"/>
           <p:cNvSpPr>
             <a:spLocks noGrp="1"/>
           </p:cNvSpPr>
@@ -6513,7 +6518,7 @@
     </p:spTree>
     <p:extLst>
       <p:ext uri="{BB962C8B-B14F-4D97-AF65-F5344CB8AC3E}">
-        <p14:creationId xmlns:p14="http://schemas.microsoft.com/office/powerpoint/2010/main" val="1761140658"/>
+        <p14:creationId xmlns:p14="http://schemas.microsoft.com/office/powerpoint/2010/main" val="827403751"/>
       </p:ext>
     </p:extLst>
   </p:cSld>
@@ -6542,7 +6547,7 @@
       </p:grpSpPr>
       <p:sp>
         <p:nvSpPr>
-          <p:cNvPr id="3" name="Title 2"/>
+          <p:cNvPr id="2" name="Title 1"/>
           <p:cNvSpPr>
             <a:spLocks noGrp="1"/>
           </p:cNvSpPr>
@@ -6556,16 +6561,16 @@
           <a:lstStyle/>
           <a:p>
             <a:r>
-              <a:rPr lang="en-US" dirty="0" smtClean="0"/>
-              <a:t>Generic Methods</a:t>
-            </a:r>
-            <a:endParaRPr lang="en-US" dirty="0"/>
-          </a:p>
-        </p:txBody>
-      </p:sp>
-      <p:sp>
-        <p:nvSpPr>
-          <p:cNvPr id="2" name="Content Placeholder 1"/>
+              <a:rPr lang="en-US" smtClean="0"/>
+              <a:t>Exercise</a:t>
+            </a:r>
+            <a:endParaRPr lang="en-US" dirty="0"/>
+          </a:p>
+        </p:txBody>
+      </p:sp>
+      <p:sp>
+        <p:nvSpPr>
+          <p:cNvPr id="3" name="Content Placeholder 2"/>
           <p:cNvSpPr>
             <a:spLocks noGrp="1"/>
           </p:cNvSpPr>
@@ -6573,165 +6578,90 @@
             <p:ph idx="1"/>
           </p:nvPr>
         </p:nvSpPr>
-        <p:spPr>
-          <a:xfrm>
-            <a:off x="271849" y="4032082"/>
-            <a:ext cx="10682663" cy="1643449"/>
-          </a:xfrm>
-        </p:spPr>
-        <p:txBody>
-          <a:bodyPr anchor="ctr">
+        <p:spPr/>
+        <p:txBody>
+          <a:bodyPr>
             <a:normAutofit/>
           </a:bodyPr>
           <a:lstStyle/>
           <a:p>
-            <a:pPr marL="0" lvl="0" indent="0">
-              <a:lnSpc>
-                <a:spcPct val="100000"/>
-              </a:lnSpc>
-              <a:spcBef>
-                <a:spcPts val="0"/>
-              </a:spcBef>
-              <a:spcAft>
-                <a:spcPts val="0"/>
-              </a:spcAft>
-              <a:buClrTx/>
-              <a:buSzTx/>
+            <a:pPr marL="0" indent="0">
               <a:buNone/>
             </a:pPr>
             <a:r>
-              <a:rPr lang="en-US" sz="2000" dirty="0">
-                <a:solidFill>
-                  <a:srgbClr val="FF0000"/>
-                </a:solidFill>
-                <a:latin typeface="Consolas" charset="0"/>
-                <a:ea typeface="Consolas" charset="0"/>
-                <a:cs typeface="Consolas" charset="0"/>
-              </a:rPr>
-              <a:t>&lt;</a:t>
-            </a:r>
-            <a:r>
-              <a:rPr lang="en-US" sz="2000" dirty="0" err="1">
-                <a:solidFill>
-                  <a:srgbClr val="FF0000"/>
-                </a:solidFill>
-                <a:latin typeface="Consolas" charset="0"/>
-                <a:ea typeface="Consolas" charset="0"/>
-                <a:cs typeface="Consolas" charset="0"/>
-              </a:rPr>
-              <a:t>formal_type_parameter_list</a:t>
-            </a:r>
-            <a:r>
-              <a:rPr lang="en-US" sz="2000" dirty="0">
-                <a:solidFill>
-                  <a:srgbClr val="FF0000"/>
-                </a:solidFill>
-                <a:latin typeface="Consolas" charset="0"/>
-                <a:ea typeface="Consolas" charset="0"/>
-                <a:cs typeface="Consolas" charset="0"/>
-              </a:rPr>
-              <a:t>&gt; </a:t>
-            </a:r>
-            <a:r>
-              <a:rPr lang="en-US" sz="2000" dirty="0" err="1">
-                <a:solidFill>
-                  <a:srgbClr val="FF0000"/>
-                </a:solidFill>
-                <a:latin typeface="Consolas" charset="0"/>
-                <a:ea typeface="Consolas" charset="0"/>
-                <a:cs typeface="Consolas" charset="0"/>
-              </a:rPr>
-              <a:t>return_type</a:t>
-            </a:r>
-            <a:r>
-              <a:rPr lang="en-US" sz="2000" dirty="0">
-                <a:solidFill>
-                  <a:srgbClr val="FF0000"/>
-                </a:solidFill>
-                <a:latin typeface="Consolas" charset="0"/>
-                <a:ea typeface="Consolas" charset="0"/>
-                <a:cs typeface="Consolas" charset="0"/>
-              </a:rPr>
-              <a:t> identifier(</a:t>
-            </a:r>
-            <a:r>
-              <a:rPr lang="en-US" sz="2000" dirty="0" err="1">
-                <a:solidFill>
-                  <a:srgbClr val="FF0000"/>
-                </a:solidFill>
-                <a:latin typeface="Consolas" charset="0"/>
-                <a:ea typeface="Consolas" charset="0"/>
-                <a:cs typeface="Consolas" charset="0"/>
-              </a:rPr>
-              <a:t>parameter_list</a:t>
-            </a:r>
-            <a:r>
-              <a:rPr lang="en-US" sz="2000" dirty="0">
-                <a:solidFill>
-                  <a:srgbClr val="FF0000"/>
-                </a:solidFill>
-                <a:latin typeface="Consolas" charset="0"/>
-                <a:ea typeface="Consolas" charset="0"/>
-                <a:cs typeface="Consolas" charset="0"/>
-              </a:rPr>
-              <a:t>)</a:t>
-            </a:r>
-            <a:endParaRPr lang="en-US" sz="2000" dirty="0" smtClean="0">
-              <a:solidFill>
-                <a:srgbClr val="FF0000"/>
-              </a:solidFill>
-              <a:latin typeface="Consolas" charset="0"/>
-              <a:ea typeface="Consolas" charset="0"/>
-              <a:cs typeface="Consolas" charset="0"/>
-            </a:endParaRPr>
-          </a:p>
-        </p:txBody>
-      </p:sp>
-      <p:sp>
-        <p:nvSpPr>
-          <p:cNvPr id="4" name="TextBox 3"/>
-          <p:cNvSpPr txBox="1"/>
-          <p:nvPr/>
-        </p:nvSpPr>
-        <p:spPr>
-          <a:xfrm>
-            <a:off x="1166478" y="2287622"/>
-            <a:ext cx="8595360" cy="1569660"/>
-          </a:xfrm>
-          <a:prstGeom prst="rect">
-            <a:avLst/>
-          </a:prstGeom>
-          <a:noFill/>
-        </p:spPr>
-        <p:txBody>
-          <a:bodyPr wrap="square" rtlCol="0">
-            <a:spAutoFit/>
-          </a:bodyPr>
-          <a:lstStyle/>
-          <a:p>
-            <a:pPr marL="285750" indent="-285750">
-              <a:buFont typeface="Arial" charset="0"/>
-              <a:buChar char="•"/>
-            </a:pPr>
-            <a:r>
-              <a:rPr lang="en-US" sz="3200" dirty="0" smtClean="0"/>
-              <a:t>A </a:t>
-            </a:r>
-            <a:r>
-              <a:rPr lang="en-US" sz="3200" b="1" dirty="0" smtClean="0"/>
-              <a:t>generic method</a:t>
-            </a:r>
-            <a:r>
-              <a:rPr lang="en-US" sz="3200" dirty="0" smtClean="0"/>
-              <a:t> is a class or instance method with a type-generalized implementation</a:t>
-            </a:r>
-            <a:endParaRPr lang="en-US" sz="3200" dirty="0"/>
-          </a:p>
-        </p:txBody>
-      </p:sp>
-      <p:sp>
-        <p:nvSpPr>
-          <p:cNvPr id="5" name="Slide Number Placeholder 4"/>
+              <a:rPr lang="en-US" sz="3200" dirty="0"/>
+              <a:t>Implement a </a:t>
+            </a:r>
+            <a:r>
+              <a:rPr lang="en-US" sz="3200" i="1" dirty="0"/>
+              <a:t>Queue&lt;E&gt;</a:t>
+            </a:r>
+            <a:r>
+              <a:rPr lang="en-US" sz="3200" dirty="0"/>
+              <a:t> generic type similar to the </a:t>
+            </a:r>
+            <a:r>
+              <a:rPr lang="en-US" sz="3200" i="1" dirty="0"/>
+              <a:t>Stack&lt;E&gt;</a:t>
+            </a:r>
+            <a:r>
+              <a:rPr lang="en-US" sz="3200" dirty="0"/>
+              <a:t> type but with </a:t>
+            </a:r>
+            <a:r>
+              <a:rPr lang="en-US" sz="3200" i="1" dirty="0" err="1"/>
+              <a:t>enqueue</a:t>
+            </a:r>
+            <a:r>
+              <a:rPr lang="en-US" sz="3200" i="1" dirty="0"/>
+              <a:t>()</a:t>
+            </a:r>
+            <a:r>
+              <a:rPr lang="en-US" sz="3200" dirty="0"/>
+              <a:t> and </a:t>
+            </a:r>
+            <a:r>
+              <a:rPr lang="en-US" sz="3200" i="1" dirty="0" err="1"/>
+              <a:t>dequeue</a:t>
+            </a:r>
+            <a:r>
+              <a:rPr lang="en-US" sz="3200" i="1" dirty="0"/>
+              <a:t>()</a:t>
+            </a:r>
+            <a:r>
+              <a:rPr lang="en-US" sz="3200" dirty="0"/>
+              <a:t> methods. The </a:t>
+            </a:r>
+            <a:r>
+              <a:rPr lang="en-US" sz="3200" i="1" dirty="0" err="1"/>
+              <a:t>enqueue</a:t>
+            </a:r>
+            <a:r>
+              <a:rPr lang="en-US" sz="3200" i="1" dirty="0"/>
+              <a:t>()</a:t>
+            </a:r>
+            <a:r>
+              <a:rPr lang="en-US" sz="3200" dirty="0"/>
+              <a:t> method adds an element to the queue and the </a:t>
+            </a:r>
+            <a:r>
+              <a:rPr lang="en-US" sz="3200" i="1" dirty="0" err="1"/>
+              <a:t>dequeue</a:t>
+            </a:r>
+            <a:r>
+              <a:rPr lang="en-US" sz="3200" i="1" dirty="0"/>
+              <a:t>()</a:t>
+            </a:r>
+            <a:r>
+              <a:rPr lang="en-US" sz="3200" dirty="0"/>
+              <a:t> method removes the first/oldest element from the queue. Stacks are often described as being "last-in, first-out" whereas queues represent a "first-in, first-out" behavior.</a:t>
+            </a:r>
+          </a:p>
+        </p:txBody>
+      </p:sp>
+      <p:sp>
+        <p:nvSpPr>
+          <p:cNvPr id="4" name="Slide Number Placeholder 3"/>
           <p:cNvSpPr>
             <a:spLocks noGrp="1"/>
           </p:cNvSpPr>
@@ -6749,175 +6679,6 @@
             <a:fld id="{4FAB73BC-B049-4115-A692-8D63A059BFB8}" type="slidenum">
               <a:rPr lang="en-US" smtClean="0"/>
               <a:t>17</a:t>
-            </a:fld>
-            <a:endParaRPr lang="en-US" dirty="0"/>
-          </a:p>
-        </p:txBody>
-      </p:sp>
-    </p:spTree>
-    <p:extLst>
-      <p:ext uri="{BB962C8B-B14F-4D97-AF65-F5344CB8AC3E}">
-        <p14:creationId xmlns:p14="http://schemas.microsoft.com/office/powerpoint/2010/main" val="827403751"/>
-      </p:ext>
-    </p:extLst>
-  </p:cSld>
-  <p:clrMapOvr>
-    <a:masterClrMapping/>
-  </p:clrMapOvr>
-</p:sld>
-</file>
-
-<file path=ppt/slides/slide18.xml><?xml version="1.0" encoding="utf-8"?>
-<p:sld xmlns:a="http://schemas.openxmlformats.org/drawingml/2006/main" xmlns:r="http://schemas.openxmlformats.org/officeDocument/2006/relationships" xmlns:p="http://schemas.openxmlformats.org/presentationml/2006/main">
-  <p:cSld>
-    <p:spTree>
-      <p:nvGrpSpPr>
-        <p:cNvPr id="1" name=""/>
-        <p:cNvGrpSpPr/>
-        <p:nvPr/>
-      </p:nvGrpSpPr>
-      <p:grpSpPr>
-        <a:xfrm>
-          <a:off x="0" y="0"/>
-          <a:ext cx="0" cy="0"/>
-          <a:chOff x="0" y="0"/>
-          <a:chExt cx="0" cy="0"/>
-        </a:xfrm>
-      </p:grpSpPr>
-      <p:sp>
-        <p:nvSpPr>
-          <p:cNvPr id="2" name="Title 1"/>
-          <p:cNvSpPr>
-            <a:spLocks noGrp="1"/>
-          </p:cNvSpPr>
-          <p:nvPr>
-            <p:ph type="title"/>
-          </p:nvPr>
-        </p:nvSpPr>
-        <p:spPr/>
-        <p:txBody>
-          <a:bodyPr/>
-          <a:lstStyle/>
-          <a:p>
-            <a:r>
-              <a:rPr lang="en-US" smtClean="0"/>
-              <a:t>Exercise</a:t>
-            </a:r>
-            <a:endParaRPr lang="en-US" dirty="0"/>
-          </a:p>
-        </p:txBody>
-      </p:sp>
-      <p:sp>
-        <p:nvSpPr>
-          <p:cNvPr id="3" name="Content Placeholder 2"/>
-          <p:cNvSpPr>
-            <a:spLocks noGrp="1"/>
-          </p:cNvSpPr>
-          <p:nvPr>
-            <p:ph idx="1"/>
-          </p:nvPr>
-        </p:nvSpPr>
-        <p:spPr/>
-        <p:txBody>
-          <a:bodyPr>
-            <a:normAutofit/>
-          </a:bodyPr>
-          <a:lstStyle/>
-          <a:p>
-            <a:pPr marL="0" indent="0">
-              <a:buNone/>
-            </a:pPr>
-            <a:r>
-              <a:rPr lang="en-US" sz="3200" dirty="0"/>
-              <a:t>Implement a </a:t>
-            </a:r>
-            <a:r>
-              <a:rPr lang="en-US" sz="3200" i="1" dirty="0"/>
-              <a:t>Queue&lt;E&gt;</a:t>
-            </a:r>
-            <a:r>
-              <a:rPr lang="en-US" sz="3200" dirty="0"/>
-              <a:t> generic type similar to the </a:t>
-            </a:r>
-            <a:r>
-              <a:rPr lang="en-US" sz="3200" i="1" dirty="0"/>
-              <a:t>Stack&lt;E&gt;</a:t>
-            </a:r>
-            <a:r>
-              <a:rPr lang="en-US" sz="3200" dirty="0"/>
-              <a:t> type but with </a:t>
-            </a:r>
-            <a:r>
-              <a:rPr lang="en-US" sz="3200" i="1" dirty="0" err="1"/>
-              <a:t>enqueue</a:t>
-            </a:r>
-            <a:r>
-              <a:rPr lang="en-US" sz="3200" i="1" dirty="0"/>
-              <a:t>()</a:t>
-            </a:r>
-            <a:r>
-              <a:rPr lang="en-US" sz="3200" dirty="0"/>
-              <a:t> and </a:t>
-            </a:r>
-            <a:r>
-              <a:rPr lang="en-US" sz="3200" i="1" dirty="0" err="1"/>
-              <a:t>dequeue</a:t>
-            </a:r>
-            <a:r>
-              <a:rPr lang="en-US" sz="3200" i="1" dirty="0"/>
-              <a:t>()</a:t>
-            </a:r>
-            <a:r>
-              <a:rPr lang="en-US" sz="3200" dirty="0"/>
-              <a:t> methods. The </a:t>
-            </a:r>
-            <a:r>
-              <a:rPr lang="en-US" sz="3200" i="1" dirty="0" err="1"/>
-              <a:t>enqueue</a:t>
-            </a:r>
-            <a:r>
-              <a:rPr lang="en-US" sz="3200" i="1" dirty="0"/>
-              <a:t>()</a:t>
-            </a:r>
-            <a:r>
-              <a:rPr lang="en-US" sz="3200" dirty="0"/>
-              <a:t> method adds an element to the queue and the </a:t>
-            </a:r>
-            <a:r>
-              <a:rPr lang="en-US" sz="3200" i="1" dirty="0" err="1"/>
-              <a:t>dequeue</a:t>
-            </a:r>
-            <a:r>
-              <a:rPr lang="en-US" sz="3200" i="1" dirty="0"/>
-              <a:t>()</a:t>
-            </a:r>
-            <a:r>
-              <a:rPr lang="en-US" sz="3200" dirty="0"/>
-              <a:t> method removes the first/oldest element from the queue. Stacks are often described as being "last-in, first-out" whereas queues represent a "first-in, first-out" behavior.</a:t>
-            </a:r>
-          </a:p>
-        </p:txBody>
-      </p:sp>
-      <p:sp>
-        <p:nvSpPr>
-          <p:cNvPr id="4" name="Slide Number Placeholder 3"/>
-          <p:cNvSpPr>
-            <a:spLocks noGrp="1"/>
-          </p:cNvSpPr>
-          <p:nvPr>
-            <p:ph type="sldNum" sz="quarter" idx="12"/>
-          </p:nvPr>
-        </p:nvSpPr>
-        <p:spPr/>
-        <p:txBody>
-          <a:bodyPr>
-            <a:normAutofit lnSpcReduction="10000"/>
-          </a:bodyPr>
-          <a:lstStyle/>
-          <a:p>
-            <a:fld id="{4FAB73BC-B049-4115-A692-8D63A059BFB8}" type="slidenum">
-              <a:rPr lang="en-US" smtClean="0"/>
-              <a:t>18</a:t>
             </a:fld>
             <a:endParaRPr lang="en-US" dirty="0"/>
           </a:p>
@@ -7062,7 +6823,7 @@
       </p:grpSpPr>
       <p:sp>
         <p:nvSpPr>
-          <p:cNvPr id="2" name="Title 1"/>
+          <p:cNvPr id="4" name="Title 3"/>
           <p:cNvSpPr>
             <a:spLocks noGrp="1"/>
           </p:cNvSpPr>
@@ -7077,48 +6838,34 @@
           <a:p>
             <a:r>
               <a:rPr lang="en-US" dirty="0" smtClean="0"/>
-              <a:t>Project 4</a:t>
-            </a:r>
-            <a:endParaRPr lang="en-US" dirty="0"/>
-          </a:p>
-        </p:txBody>
-      </p:sp>
-      <p:sp>
-        <p:nvSpPr>
-          <p:cNvPr id="3" name="Content Placeholder 2"/>
-          <p:cNvSpPr>
-            <a:spLocks noGrp="1"/>
-          </p:cNvSpPr>
-          <p:nvPr>
-            <p:ph idx="1"/>
-          </p:nvPr>
-        </p:nvSpPr>
-        <p:spPr/>
-        <p:txBody>
-          <a:bodyPr anchor="ctr">
-            <a:normAutofit/>
-          </a:bodyPr>
-          <a:lstStyle/>
-          <a:p>
-            <a:r>
-              <a:rPr lang="en-US" sz="2800" i="1" dirty="0">
-                <a:hlinkClick r:id="rId2"/>
-              </a:rPr>
-              <a:t>https://</a:t>
-            </a:r>
-            <a:r>
-              <a:rPr lang="en-US" sz="2800" i="1" dirty="0" smtClean="0">
-                <a:hlinkClick r:id="rId2"/>
-              </a:rPr>
-              <a:t>github.com/zarthur/CSCC-Fundamentals-Android-Notes/tree/master/projects#project-4</a:t>
-            </a:r>
-            <a:endParaRPr lang="en-US" sz="2800" i="1" dirty="0" smtClean="0"/>
-          </a:p>
-        </p:txBody>
-      </p:sp>
-      <p:sp>
-        <p:nvSpPr>
-          <p:cNvPr id="4" name="Slide Number Placeholder 3"/>
+              <a:t>Generics</a:t>
+            </a:r>
+            <a:endParaRPr lang="en-US" dirty="0"/>
+          </a:p>
+        </p:txBody>
+      </p:sp>
+      <p:sp>
+        <p:nvSpPr>
+          <p:cNvPr id="5" name="Text Placeholder 4"/>
+          <p:cNvSpPr>
+            <a:spLocks noGrp="1"/>
+          </p:cNvSpPr>
+          <p:nvPr>
+            <p:ph type="body" idx="1"/>
+          </p:nvPr>
+        </p:nvSpPr>
+        <p:spPr/>
+        <p:txBody>
+          <a:bodyPr/>
+          <a:lstStyle/>
+          <a:p>
+            <a:endParaRPr lang="en-US" dirty="0"/>
+          </a:p>
+        </p:txBody>
+      </p:sp>
+      <p:sp>
+        <p:nvSpPr>
+          <p:cNvPr id="2" name="Slide Number Placeholder 1"/>
           <p:cNvSpPr>
             <a:spLocks noGrp="1"/>
           </p:cNvSpPr>
@@ -7144,7 +6891,7 @@
     </p:spTree>
     <p:extLst>
       <p:ext uri="{BB962C8B-B14F-4D97-AF65-F5344CB8AC3E}">
-        <p14:creationId xmlns:p14="http://schemas.microsoft.com/office/powerpoint/2010/main" val="187347793"/>
+        <p14:creationId xmlns:p14="http://schemas.microsoft.com/office/powerpoint/2010/main" val="1570034980"/>
       </p:ext>
     </p:extLst>
   </p:cSld>
@@ -7173,7 +6920,7 @@
       </p:grpSpPr>
       <p:sp>
         <p:nvSpPr>
-          <p:cNvPr id="4" name="Title 3"/>
+          <p:cNvPr id="3" name="Title 2"/>
           <p:cNvSpPr>
             <a:spLocks noGrp="1"/>
           </p:cNvSpPr>
@@ -7188,34 +6935,93 @@
           <a:p>
             <a:r>
               <a:rPr lang="en-US" dirty="0" smtClean="0"/>
-              <a:t>Generics</a:t>
-            </a:r>
-            <a:endParaRPr lang="en-US" dirty="0"/>
-          </a:p>
-        </p:txBody>
-      </p:sp>
-      <p:sp>
-        <p:nvSpPr>
-          <p:cNvPr id="5" name="Text Placeholder 4"/>
-          <p:cNvSpPr>
-            <a:spLocks noGrp="1"/>
-          </p:cNvSpPr>
-          <p:nvPr>
-            <p:ph type="body" idx="1"/>
-          </p:nvPr>
-        </p:nvSpPr>
-        <p:spPr/>
-        <p:txBody>
-          <a:bodyPr/>
-          <a:lstStyle/>
-          <a:p>
-            <a:endParaRPr lang="en-US" dirty="0"/>
-          </a:p>
-        </p:txBody>
-      </p:sp>
-      <p:sp>
-        <p:nvSpPr>
-          <p:cNvPr id="2" name="Slide Number Placeholder 1"/>
+              <a:t>Collections Framework	</a:t>
+            </a:r>
+            <a:endParaRPr lang="en-US" dirty="0"/>
+          </a:p>
+        </p:txBody>
+      </p:sp>
+      <p:sp>
+        <p:nvSpPr>
+          <p:cNvPr id="2" name="Content Placeholder 1"/>
+          <p:cNvSpPr>
+            <a:spLocks noGrp="1"/>
+          </p:cNvSpPr>
+          <p:nvPr>
+            <p:ph idx="1"/>
+          </p:nvPr>
+        </p:nvSpPr>
+        <p:spPr/>
+        <p:txBody>
+          <a:bodyPr anchor="ctr">
+            <a:normAutofit/>
+          </a:bodyPr>
+          <a:lstStyle/>
+          <a:p>
+            <a:r>
+              <a:rPr lang="en-US" sz="3000" dirty="0" smtClean="0"/>
+              <a:t>When using the Collections Framework, we’ve written code like </a:t>
+            </a:r>
+            <a:br>
+              <a:rPr lang="en-US" sz="3000" dirty="0" smtClean="0"/>
+            </a:br>
+            <a:r>
+              <a:rPr lang="en-US" sz="3000" i="1" dirty="0" smtClean="0">
+                <a:latin typeface="Consolas" charset="0"/>
+                <a:ea typeface="Consolas" charset="0"/>
+                <a:cs typeface="Consolas" charset="0"/>
+              </a:rPr>
+              <a:t>List&lt;String&gt; list = new </a:t>
+            </a:r>
+            <a:r>
+              <a:rPr lang="en-US" sz="3000" i="1" dirty="0" err="1" smtClean="0">
+                <a:latin typeface="Consolas" charset="0"/>
+                <a:ea typeface="Consolas" charset="0"/>
+                <a:cs typeface="Consolas" charset="0"/>
+              </a:rPr>
+              <a:t>ArrayList</a:t>
+            </a:r>
+            <a:r>
+              <a:rPr lang="en-US" sz="3000" i="1" dirty="0" smtClean="0">
+                <a:latin typeface="Consolas" charset="0"/>
+                <a:ea typeface="Consolas" charset="0"/>
+                <a:cs typeface="Consolas" charset="0"/>
+              </a:rPr>
+              <a:t>&lt;&gt;();</a:t>
+            </a:r>
+          </a:p>
+          <a:p>
+            <a:r>
+              <a:rPr lang="en-US" sz="3000" dirty="0" smtClean="0"/>
+              <a:t>Type between &lt; and &gt; is the type parameter</a:t>
+            </a:r>
+          </a:p>
+          <a:p>
+            <a:r>
+              <a:rPr lang="en-US" sz="3000" dirty="0" smtClean="0"/>
+              <a:t>Prior to Java 5, we weren’t able to specify a type parameter</a:t>
+            </a:r>
+          </a:p>
+          <a:p>
+            <a:r>
+              <a:rPr lang="en-US" sz="3000" dirty="0" smtClean="0"/>
+              <a:t>Need to check instance type to avoid </a:t>
+            </a:r>
+            <a:r>
+              <a:rPr lang="en-US" sz="3000" i="1" dirty="0" err="1" smtClean="0"/>
+              <a:t>ClassCastException</a:t>
+            </a:r>
+            <a:r>
+              <a:rPr lang="en-US" sz="3000" dirty="0" smtClean="0"/>
+              <a:t>, a runtime exception</a:t>
+            </a:r>
+            <a:endParaRPr lang="en-US" sz="3000" i="1" dirty="0" smtClean="0"/>
+          </a:p>
+        </p:txBody>
+      </p:sp>
+      <p:sp>
+        <p:nvSpPr>
+          <p:cNvPr id="4" name="Slide Number Placeholder 3"/>
           <p:cNvSpPr>
             <a:spLocks noGrp="1"/>
           </p:cNvSpPr>
@@ -7241,7 +7047,7 @@
     </p:spTree>
     <p:extLst>
       <p:ext uri="{BB962C8B-B14F-4D97-AF65-F5344CB8AC3E}">
-        <p14:creationId xmlns:p14="http://schemas.microsoft.com/office/powerpoint/2010/main" val="1570034980"/>
+        <p14:creationId xmlns:p14="http://schemas.microsoft.com/office/powerpoint/2010/main" val="204353980"/>
       </p:ext>
     </p:extLst>
   </p:cSld>
@@ -7285,7 +7091,7 @@
           <a:p>
             <a:r>
               <a:rPr lang="en-US" dirty="0" smtClean="0"/>
-              <a:t>Collections Framework	</a:t>
+              <a:t>Generic Types	</a:t>
             </a:r>
             <a:endParaRPr lang="en-US" dirty="0"/>
           </a:p>
@@ -7310,62 +7116,36 @@
           <a:p>
             <a:r>
               <a:rPr lang="en-US" sz="3000" dirty="0" smtClean="0"/>
-              <a:t>When using the Collections Framework, we’ve written code like </a:t>
-            </a:r>
-            <a:br>
+              <a:t>A </a:t>
+            </a:r>
+            <a:r>
+              <a:rPr lang="en-US" sz="3000" b="1" dirty="0" smtClean="0"/>
+              <a:t>generic type</a:t>
+            </a:r>
+            <a:r>
               <a:rPr lang="en-US" sz="3000" dirty="0" smtClean="0"/>
-            </a:br>
-            <a:r>
-              <a:rPr lang="en-US" sz="3000" i="1" dirty="0" smtClean="0">
-                <a:latin typeface="Consolas" charset="0"/>
-                <a:ea typeface="Consolas" charset="0"/>
-                <a:cs typeface="Consolas" charset="0"/>
-              </a:rPr>
-              <a:t>List&lt;String&gt; list = new </a:t>
-            </a:r>
-            <a:r>
-              <a:rPr lang="en-US" sz="3000" i="1" dirty="0" err="1" smtClean="0">
-                <a:latin typeface="Consolas" charset="0"/>
-                <a:ea typeface="Consolas" charset="0"/>
-                <a:cs typeface="Consolas" charset="0"/>
-              </a:rPr>
-              <a:t>ArrayList</a:t>
-            </a:r>
-            <a:r>
-              <a:rPr lang="en-US" sz="3000" i="1" dirty="0" smtClean="0">
-                <a:latin typeface="Consolas" charset="0"/>
-                <a:ea typeface="Consolas" charset="0"/>
-                <a:cs typeface="Consolas" charset="0"/>
-              </a:rPr>
-              <a:t>&lt;&gt;();</a:t>
+              <a:t> is a class or interface that declares a family of types</a:t>
             </a:r>
           </a:p>
           <a:p>
             <a:r>
               <a:rPr lang="en-US" sz="3000" dirty="0" smtClean="0"/>
-              <a:t>Type between &lt; and &gt; is the type parameter</a:t>
-            </a:r>
-          </a:p>
-          <a:p>
+              <a:t>Uses a </a:t>
+            </a:r>
+            <a:r>
+              <a:rPr lang="en-US" sz="3000" b="1" dirty="0" smtClean="0"/>
+              <a:t>formal type parameter list</a:t>
+            </a:r>
             <a:r>
               <a:rPr lang="en-US" sz="3000" dirty="0" smtClean="0"/>
-              <a:t>Prior to Java 5, we weren’t able to specify a type parameter</a:t>
+              <a:t>, a comma-separated list of type parameters between angle brackets</a:t>
             </a:r>
           </a:p>
           <a:p>
             <a:r>
               <a:rPr lang="en-US" sz="3000" dirty="0" smtClean="0"/>
-              <a:t>Need to check instance type to avoid </a:t>
-            </a:r>
-            <a:r>
-              <a:rPr lang="en-US" sz="3000" i="1" dirty="0" err="1" smtClean="0"/>
-              <a:t>ClassCastException</a:t>
-            </a:r>
-            <a:r>
-              <a:rPr lang="en-US" sz="3000" dirty="0" smtClean="0"/>
-              <a:t>, a runtime exception</a:t>
-            </a:r>
-            <a:endParaRPr lang="en-US" sz="3000" i="1" dirty="0" smtClean="0"/>
+              <a:t>Imposes type safety checks to detect violations at compile time rather than runtime.</a:t>
+            </a:r>
           </a:p>
         </p:txBody>
       </p:sp>
@@ -7397,7 +7177,7 @@
     </p:spTree>
     <p:extLst>
       <p:ext uri="{BB962C8B-B14F-4D97-AF65-F5344CB8AC3E}">
-        <p14:creationId xmlns:p14="http://schemas.microsoft.com/office/powerpoint/2010/main" val="204353980"/>
+        <p14:creationId xmlns:p14="http://schemas.microsoft.com/office/powerpoint/2010/main" val="1514517877"/>
       </p:ext>
     </p:extLst>
   </p:cSld>
@@ -7457,44 +7237,104 @@
             <p:ph idx="1"/>
           </p:nvPr>
         </p:nvSpPr>
-        <p:spPr/>
+        <p:spPr>
+          <a:xfrm>
+            <a:off x="606175" y="1828800"/>
+            <a:ext cx="10348337" cy="4351337"/>
+          </a:xfrm>
+        </p:spPr>
         <p:txBody>
           <a:bodyPr anchor="ctr">
             <a:normAutofit/>
           </a:bodyPr>
           <a:lstStyle/>
           <a:p>
-            <a:r>
-              <a:rPr lang="en-US" sz="3000" dirty="0" smtClean="0"/>
-              <a:t>A </a:t>
-            </a:r>
-            <a:r>
-              <a:rPr lang="en-US" sz="3000" b="1" dirty="0" smtClean="0"/>
-              <a:t>generic type</a:t>
-            </a:r>
-            <a:r>
-              <a:rPr lang="en-US" sz="3000" dirty="0" smtClean="0"/>
-              <a:t> is a class or interface that declares a family of types</a:t>
-            </a:r>
-          </a:p>
-          <a:p>
-            <a:r>
-              <a:rPr lang="en-US" sz="3000" dirty="0" smtClean="0"/>
-              <a:t>Uses a </a:t>
-            </a:r>
-            <a:r>
-              <a:rPr lang="en-US" sz="3000" b="1" dirty="0" smtClean="0"/>
-              <a:t>formal type parameter list</a:t>
-            </a:r>
-            <a:r>
-              <a:rPr lang="en-US" sz="3000" dirty="0" smtClean="0"/>
-              <a:t>, a comma-separated list of type parameters between angle brackets</a:t>
-            </a:r>
-          </a:p>
-          <a:p>
-            <a:r>
-              <a:rPr lang="en-US" sz="3000" dirty="0" smtClean="0"/>
-              <a:t>Imposes type safety checks to detect violations at compile time rather than runtime.</a:t>
+            <a:pPr marL="0" indent="0">
+              <a:buNone/>
+            </a:pPr>
+            <a:r>
+              <a:rPr lang="en-US" sz="2800" dirty="0" smtClean="0">
+                <a:solidFill>
+                  <a:srgbClr val="FF0000"/>
+                </a:solidFill>
+                <a:latin typeface="Consolas" charset="0"/>
+                <a:ea typeface="Consolas" charset="0"/>
+                <a:cs typeface="Consolas" charset="0"/>
+              </a:rPr>
+              <a:t>class identifier&lt;</a:t>
+            </a:r>
+            <a:r>
+              <a:rPr lang="en-US" sz="2800" dirty="0" err="1" smtClean="0">
+                <a:solidFill>
+                  <a:srgbClr val="FF0000"/>
+                </a:solidFill>
+                <a:latin typeface="Consolas" charset="0"/>
+                <a:ea typeface="Consolas" charset="0"/>
+                <a:cs typeface="Consolas" charset="0"/>
+              </a:rPr>
+              <a:t>formal_type_parameter_list</a:t>
+            </a:r>
+            <a:r>
+              <a:rPr lang="en-US" sz="2800" dirty="0" smtClean="0">
+                <a:solidFill>
+                  <a:srgbClr val="FF0000"/>
+                </a:solidFill>
+                <a:latin typeface="Consolas" charset="0"/>
+                <a:ea typeface="Consolas" charset="0"/>
+                <a:cs typeface="Consolas" charset="0"/>
+              </a:rPr>
+              <a:t>&gt; {}</a:t>
+            </a:r>
+          </a:p>
+          <a:p>
+            <a:pPr marL="0" indent="0">
+              <a:buNone/>
+            </a:pPr>
+            <a:endParaRPr lang="en-US" sz="2800" dirty="0" smtClean="0">
+              <a:solidFill>
+                <a:srgbClr val="FF0000"/>
+              </a:solidFill>
+              <a:latin typeface="Consolas" charset="0"/>
+              <a:ea typeface="Consolas" charset="0"/>
+              <a:cs typeface="Consolas" charset="0"/>
+            </a:endParaRPr>
+          </a:p>
+          <a:p>
+            <a:pPr marL="0" indent="0">
+              <a:buNone/>
+            </a:pPr>
+            <a:r>
+              <a:rPr lang="en-US" sz="2800" dirty="0" smtClean="0">
+                <a:solidFill>
+                  <a:srgbClr val="FF0000"/>
+                </a:solidFill>
+                <a:latin typeface="Consolas" charset="0"/>
+                <a:ea typeface="Consolas" charset="0"/>
+                <a:cs typeface="Consolas" charset="0"/>
+              </a:rPr>
+              <a:t>interface identifier&lt;</a:t>
+            </a:r>
+            <a:r>
+              <a:rPr lang="en-US" sz="2800" dirty="0" err="1" smtClean="0">
+                <a:solidFill>
+                  <a:srgbClr val="FF0000"/>
+                </a:solidFill>
+                <a:latin typeface="Consolas" charset="0"/>
+                <a:ea typeface="Consolas" charset="0"/>
+                <a:cs typeface="Consolas" charset="0"/>
+              </a:rPr>
+              <a:t>formal_type_parameter_list</a:t>
+            </a:r>
+            <a:r>
+              <a:rPr lang="en-US" sz="2800" dirty="0" smtClean="0">
+                <a:solidFill>
+                  <a:srgbClr val="FF0000"/>
+                </a:solidFill>
+                <a:latin typeface="Consolas" charset="0"/>
+                <a:ea typeface="Consolas" charset="0"/>
+                <a:cs typeface="Consolas" charset="0"/>
+              </a:rPr>
+              <a:t>&gt; {}</a:t>
             </a:r>
           </a:p>
         </p:txBody>
@@ -7527,7 +7367,7 @@
     </p:spTree>
     <p:extLst>
       <p:ext uri="{BB962C8B-B14F-4D97-AF65-F5344CB8AC3E}">
-        <p14:creationId xmlns:p14="http://schemas.microsoft.com/office/powerpoint/2010/main" val="1514517877"/>
+        <p14:creationId xmlns:p14="http://schemas.microsoft.com/office/powerpoint/2010/main" val="2086754145"/>
       </p:ext>
     </p:extLst>
   </p:cSld>
@@ -7587,104 +7427,72 @@
             <p:ph idx="1"/>
           </p:nvPr>
         </p:nvSpPr>
-        <p:spPr>
-          <a:xfrm>
-            <a:off x="606175" y="1828800"/>
-            <a:ext cx="10348337" cy="4351337"/>
-          </a:xfrm>
-        </p:spPr>
+        <p:spPr/>
         <p:txBody>
           <a:bodyPr anchor="ctr">
             <a:normAutofit/>
           </a:bodyPr>
           <a:lstStyle/>
           <a:p>
-            <a:pPr marL="0" indent="0">
-              <a:buNone/>
-            </a:pPr>
-            <a:r>
-              <a:rPr lang="en-US" sz="2800" dirty="0" smtClean="0">
-                <a:solidFill>
-                  <a:srgbClr val="FF0000"/>
-                </a:solidFill>
-                <a:latin typeface="Consolas" charset="0"/>
-                <a:ea typeface="Consolas" charset="0"/>
-                <a:cs typeface="Consolas" charset="0"/>
-              </a:rPr>
-              <a:t>class identifier&lt;</a:t>
-            </a:r>
-            <a:r>
-              <a:rPr lang="en-US" sz="2800" dirty="0" err="1" smtClean="0">
-                <a:solidFill>
-                  <a:srgbClr val="FF0000"/>
-                </a:solidFill>
-                <a:latin typeface="Consolas" charset="0"/>
-                <a:ea typeface="Consolas" charset="0"/>
-                <a:cs typeface="Consolas" charset="0"/>
-              </a:rPr>
-              <a:t>formal_type_parameter_list</a:t>
-            </a:r>
-            <a:r>
-              <a:rPr lang="en-US" sz="2800" dirty="0" smtClean="0">
-                <a:solidFill>
-                  <a:srgbClr val="FF0000"/>
-                </a:solidFill>
-                <a:latin typeface="Consolas" charset="0"/>
-                <a:ea typeface="Consolas" charset="0"/>
-                <a:cs typeface="Consolas" charset="0"/>
-              </a:rPr>
-              <a:t>&gt; {}</a:t>
-            </a:r>
-          </a:p>
-          <a:p>
-            <a:pPr marL="0" indent="0">
-              <a:buNone/>
-            </a:pPr>
-            <a:endParaRPr lang="en-US" sz="2800" dirty="0" smtClean="0">
-              <a:solidFill>
-                <a:srgbClr val="FF0000"/>
-              </a:solidFill>
-              <a:latin typeface="Consolas" charset="0"/>
-              <a:ea typeface="Consolas" charset="0"/>
-              <a:cs typeface="Consolas" charset="0"/>
-            </a:endParaRPr>
-          </a:p>
-          <a:p>
-            <a:pPr marL="0" indent="0">
-              <a:buNone/>
-            </a:pPr>
-            <a:r>
-              <a:rPr lang="en-US" sz="2800" dirty="0" smtClean="0">
-                <a:solidFill>
-                  <a:srgbClr val="FF0000"/>
-                </a:solidFill>
-                <a:latin typeface="Consolas" charset="0"/>
-                <a:ea typeface="Consolas" charset="0"/>
-                <a:cs typeface="Consolas" charset="0"/>
-              </a:rPr>
-              <a:t>interface identifier&lt;</a:t>
-            </a:r>
-            <a:r>
-              <a:rPr lang="en-US" sz="2800" dirty="0" err="1" smtClean="0">
-                <a:solidFill>
-                  <a:srgbClr val="FF0000"/>
-                </a:solidFill>
-                <a:latin typeface="Consolas" charset="0"/>
-                <a:ea typeface="Consolas" charset="0"/>
-                <a:cs typeface="Consolas" charset="0"/>
-              </a:rPr>
-              <a:t>formal_type_parameter_list</a:t>
-            </a:r>
-            <a:r>
-              <a:rPr lang="en-US" sz="2800" dirty="0" smtClean="0">
-                <a:solidFill>
-                  <a:srgbClr val="FF0000"/>
-                </a:solidFill>
-                <a:latin typeface="Consolas" charset="0"/>
-                <a:ea typeface="Consolas" charset="0"/>
-                <a:cs typeface="Consolas" charset="0"/>
-              </a:rPr>
-              <a:t>&gt; {}</a:t>
+            <a:r>
+              <a:rPr lang="en-US" sz="3000" dirty="0" smtClean="0"/>
+              <a:t>Examples include </a:t>
+            </a:r>
+            <a:r>
+              <a:rPr lang="en-US" sz="3000" i="1" dirty="0" smtClean="0"/>
+              <a:t>List&lt;E&gt;</a:t>
+            </a:r>
+            <a:r>
+              <a:rPr lang="en-US" sz="3000" dirty="0"/>
+              <a:t> </a:t>
+            </a:r>
+            <a:r>
+              <a:rPr lang="en-US" sz="3000" dirty="0" smtClean="0"/>
+              <a:t>and </a:t>
+            </a:r>
+            <a:r>
+              <a:rPr lang="en-US" sz="3000" i="1" dirty="0" smtClean="0"/>
+              <a:t>Map&lt;K, V&gt;</a:t>
+            </a:r>
+          </a:p>
+          <a:p>
+            <a:r>
+              <a:rPr lang="en-US" sz="3000" dirty="0" smtClean="0"/>
+              <a:t>Convention is to use a single uppercase letter for the type parameter name.</a:t>
+            </a:r>
+          </a:p>
+          <a:p>
+            <a:r>
+              <a:rPr lang="en-US" sz="3000" i="1" dirty="0" smtClean="0"/>
+              <a:t>E </a:t>
+            </a:r>
+            <a:r>
+              <a:rPr lang="en-US" sz="3000" dirty="0" smtClean="0"/>
+              <a:t>for element, </a:t>
+            </a:r>
+            <a:r>
+              <a:rPr lang="en-US" sz="3000" i="1" dirty="0" smtClean="0"/>
+              <a:t>T </a:t>
+            </a:r>
+            <a:r>
+              <a:rPr lang="en-US" sz="3000" dirty="0" smtClean="0"/>
+              <a:t>for type, </a:t>
+            </a:r>
+            <a:r>
+              <a:rPr lang="en-US" sz="3000" i="1" dirty="0" smtClean="0"/>
+              <a:t>K</a:t>
+            </a:r>
+            <a:r>
+              <a:rPr lang="en-US" sz="3000" dirty="0" smtClean="0"/>
+              <a:t> for key, </a:t>
+            </a:r>
+            <a:r>
+              <a:rPr lang="en-US" sz="3000" i="1" dirty="0" smtClean="0"/>
+              <a:t>V</a:t>
+            </a:r>
+            <a:r>
+              <a:rPr lang="en-US" sz="3000" dirty="0" smtClean="0"/>
+              <a:t> for value</a:t>
             </a:r>
           </a:p>
         </p:txBody>
@@ -7717,7 +7525,7 @@
     </p:spTree>
     <p:extLst>
       <p:ext uri="{BB962C8B-B14F-4D97-AF65-F5344CB8AC3E}">
-        <p14:creationId xmlns:p14="http://schemas.microsoft.com/office/powerpoint/2010/main" val="2086754145"/>
+        <p14:creationId xmlns:p14="http://schemas.microsoft.com/office/powerpoint/2010/main" val="1474862161"/>
       </p:ext>
     </p:extLst>
   </p:cSld>
@@ -7786,64 +7594,37 @@
           <a:p>
             <a:r>
               <a:rPr lang="en-US" sz="3000" dirty="0" smtClean="0"/>
-              <a:t>Examples include </a:t>
-            </a:r>
+              <a:t>Parameterized types are instances of generic types and are created by specifying a type for the type parameter.</a:t>
+            </a:r>
+          </a:p>
+          <a:p>
+            <a:r>
+              <a:rPr lang="en-US" sz="3000" dirty="0" smtClean="0"/>
+              <a:t>Type name that replaces a type parameter is the </a:t>
+            </a:r>
+            <a:r>
+              <a:rPr lang="en-US" sz="3000" b="1" dirty="0" smtClean="0"/>
+              <a:t>actual type argument</a:t>
+            </a:r>
+          </a:p>
+          <a:p>
             <a:r>
               <a:rPr lang="en-US" sz="3000" i="1" dirty="0" smtClean="0"/>
-              <a:t>List&lt;E&gt;</a:t>
-            </a:r>
-            <a:r>
-              <a:rPr lang="en-US" sz="3000" dirty="0"/>
-              <a:t> </a:t>
+              <a:t>List&lt;String&gt; </a:t>
             </a:r>
             <a:r>
               <a:rPr lang="en-US" sz="3000" dirty="0" smtClean="0"/>
-              <a:t>and </a:t>
+              <a:t>is a parameterized type with </a:t>
             </a:r>
             <a:r>
               <a:rPr lang="en-US" sz="3000" i="1" dirty="0" smtClean="0"/>
-              <a:t>Map&lt;K, V&gt;</a:t>
-            </a:r>
-          </a:p>
-          <a:p>
+              <a:t>String </a:t>
+            </a:r>
             <a:r>
               <a:rPr lang="en-US" sz="3000" dirty="0" smtClean="0"/>
-              <a:t>Convention is to use a single uppercase letter for the type parameter name.</a:t>
-            </a:r>
-          </a:p>
-          <a:p>
-            <a:r>
-              <a:rPr lang="en-US" sz="3000" i="1" dirty="0" smtClean="0"/>
-              <a:t>E </a:t>
-            </a:r>
-            <a:r>
-              <a:rPr lang="en-US" sz="3000" dirty="0" smtClean="0"/>
-              <a:t>for element, </a:t>
-            </a:r>
-            <a:r>
-              <a:rPr lang="en-US" sz="3000" i="1" dirty="0" smtClean="0"/>
-              <a:t>T </a:t>
-            </a:r>
-            <a:r>
-              <a:rPr lang="en-US" sz="3000" dirty="0" smtClean="0"/>
-              <a:t>for type, </a:t>
-            </a:r>
-            <a:r>
-              <a:rPr lang="en-US" sz="3000" i="1" dirty="0" smtClean="0"/>
-              <a:t>K</a:t>
-            </a:r>
-            <a:r>
-              <a:rPr lang="en-US" sz="3000" dirty="0" smtClean="0"/>
-              <a:t> for key, </a:t>
-            </a:r>
-            <a:r>
-              <a:rPr lang="en-US" sz="3000" i="1" dirty="0" smtClean="0"/>
-              <a:t>V</a:t>
-            </a:r>
-            <a:r>
-              <a:rPr lang="en-US" sz="3000" dirty="0" smtClean="0"/>
-              <a:t> for value</a:t>
-            </a:r>
+              <a:t>as the actual type argument</a:t>
+            </a:r>
+            <a:endParaRPr lang="en-US" sz="3000" i="1" dirty="0" smtClean="0"/>
           </a:p>
         </p:txBody>
       </p:sp>
@@ -7875,7 +7656,7 @@
     </p:spTree>
     <p:extLst>
       <p:ext uri="{BB962C8B-B14F-4D97-AF65-F5344CB8AC3E}">
-        <p14:creationId xmlns:p14="http://schemas.microsoft.com/office/powerpoint/2010/main" val="1474862161"/>
+        <p14:creationId xmlns:p14="http://schemas.microsoft.com/office/powerpoint/2010/main" val="2025066863"/>
       </p:ext>
     </p:extLst>
   </p:cSld>
@@ -7919,7 +7700,7 @@
           <a:p>
             <a:r>
               <a:rPr lang="en-US" dirty="0" smtClean="0"/>
-              <a:t>Generic Types	</a:t>
+              <a:t>Kinds of Actual Type Arguments	</a:t>
             </a:r>
             <a:endParaRPr lang="en-US" dirty="0"/>
           </a:p>
@@ -7938,43 +7719,150 @@
         <p:spPr/>
         <p:txBody>
           <a:bodyPr anchor="ctr">
-            <a:normAutofit/>
+            <a:normAutofit fontScale="85000" lnSpcReduction="20000"/>
           </a:bodyPr>
           <a:lstStyle/>
           <a:p>
+            <a:pPr marL="514350" indent="-514350">
+              <a:buFont typeface="+mj-lt"/>
+              <a:buAutoNum type="arabicPeriod"/>
+            </a:pPr>
+            <a:r>
+              <a:rPr lang="en-US" sz="3000" b="1" dirty="0" smtClean="0"/>
+              <a:t>Concrete Type</a:t>
+            </a:r>
             <a:r>
               <a:rPr lang="en-US" sz="3000" dirty="0" smtClean="0"/>
-              <a:t>Parameterized types are instances of generic types and are created by specifying a type for the type parameter.</a:t>
-            </a:r>
-          </a:p>
-          <a:p>
+              <a:t>: the name of a class or interface (</a:t>
+            </a:r>
+            <a:r>
+              <a:rPr lang="en-US" sz="3000" i="1" dirty="0" smtClean="0"/>
+              <a:t>List&lt;String&gt;</a:t>
+            </a:r>
             <a:r>
               <a:rPr lang="en-US" sz="3000" dirty="0" smtClean="0"/>
-              <a:t>Type name that replaces a type parameter is the </a:t>
-            </a:r>
+              <a:t>)</a:t>
+            </a:r>
+          </a:p>
+          <a:p>
+            <a:pPr marL="514350" indent="-514350">
+              <a:buFont typeface="+mj-lt"/>
+              <a:buAutoNum type="arabicPeriod"/>
+            </a:pPr>
             <a:r>
               <a:rPr lang="en-US" sz="3000" b="1" dirty="0" smtClean="0"/>
-              <a:t>actual type argument</a:t>
-            </a:r>
-          </a:p>
-          <a:p>
+              <a:t>Concrete Parameterized Type</a:t>
+            </a:r>
+            <a:r>
+              <a:rPr lang="en-US" sz="3000" dirty="0" smtClean="0"/>
+              <a:t>: another parametrized type (</a:t>
+            </a:r>
             <a:r>
               <a:rPr lang="en-US" sz="3000" i="1" dirty="0" smtClean="0"/>
-              <a:t>List&lt;String&gt; </a:t>
+              <a:t>List&lt;List&lt;String&gt;&gt;</a:t>
             </a:r>
             <a:r>
               <a:rPr lang="en-US" sz="3000" dirty="0" smtClean="0"/>
-              <a:t>is a parameterized type with </a:t>
+              <a:t>)</a:t>
+            </a:r>
+          </a:p>
+          <a:p>
+            <a:pPr marL="514350" indent="-514350">
+              <a:buFont typeface="+mj-lt"/>
+              <a:buAutoNum type="arabicPeriod"/>
+            </a:pPr>
+            <a:r>
+              <a:rPr lang="en-US" sz="3000" b="1" dirty="0" smtClean="0"/>
+              <a:t>Array Type</a:t>
+            </a:r>
+            <a:r>
+              <a:rPr lang="en-US" sz="3000" dirty="0" smtClean="0"/>
+              <a:t>: array used as the type parameter (</a:t>
             </a:r>
             <a:r>
               <a:rPr lang="en-US" sz="3000" i="1" dirty="0" smtClean="0"/>
-              <a:t>String </a:t>
+              <a:t>List&lt;String[]&gt;</a:t>
             </a:r>
             <a:r>
               <a:rPr lang="en-US" sz="3000" dirty="0" smtClean="0"/>
-              <a:t>as the actual type argument</a:t>
-            </a:r>
-            <a:endParaRPr lang="en-US" sz="3000" i="1" dirty="0" smtClean="0"/>
+              <a:t>)</a:t>
+            </a:r>
+          </a:p>
+          <a:p>
+            <a:pPr marL="514350" indent="-514350">
+              <a:buFont typeface="+mj-lt"/>
+              <a:buAutoNum type="arabicPeriod"/>
+            </a:pPr>
+            <a:r>
+              <a:rPr lang="en-US" sz="3000" b="1" dirty="0" smtClean="0"/>
+              <a:t>Type Parameter</a:t>
+            </a:r>
+            <a:r>
+              <a:rPr lang="en-US" sz="3000" dirty="0" smtClean="0"/>
+              <a:t>: Another type parameter is used for the the type parameter </a:t>
+            </a:r>
+            <a:br>
+              <a:rPr lang="en-US" sz="3000" dirty="0" smtClean="0"/>
+            </a:br>
+            <a:r>
+              <a:rPr lang="en-US" sz="3000" dirty="0" smtClean="0"/>
+              <a:t>(</a:t>
+            </a:r>
+            <a:r>
+              <a:rPr lang="en-US" sz="3000" i="1" dirty="0" smtClean="0"/>
+              <a:t>class X&lt;E&gt; { List&lt;E&gt; </a:t>
+            </a:r>
+            <a:r>
+              <a:rPr lang="en-US" sz="3000" i="1" dirty="0" err="1" smtClean="0"/>
+              <a:t>internalList</a:t>
+            </a:r>
+            <a:r>
+              <a:rPr lang="en-US" sz="3000" i="1" dirty="0" smtClean="0"/>
+              <a:t>; }</a:t>
+            </a:r>
+            <a:r>
+              <a:rPr lang="en-US" sz="3000" dirty="0" smtClean="0"/>
+              <a:t>)</a:t>
+            </a:r>
+          </a:p>
+          <a:p>
+            <a:pPr marL="514350" indent="-514350">
+              <a:buFont typeface="+mj-lt"/>
+              <a:buAutoNum type="arabicPeriod"/>
+            </a:pPr>
+            <a:r>
+              <a:rPr lang="en-US" sz="3000" b="1" dirty="0" err="1" smtClean="0"/>
+              <a:t>WildCard</a:t>
+            </a:r>
+            <a:r>
+              <a:rPr lang="en-US" sz="3000" dirty="0" smtClean="0"/>
+              <a:t>: a wildcard, </a:t>
+            </a:r>
+            <a:r>
+              <a:rPr lang="en-US" sz="3000" i="1" dirty="0" smtClean="0"/>
+              <a:t>?</a:t>
+            </a:r>
+            <a:r>
+              <a:rPr lang="en-US" sz="3000" dirty="0" smtClean="0"/>
+              <a:t>, is used to indicate that the type is unknown (</a:t>
+            </a:r>
+            <a:r>
+              <a:rPr lang="en-US" sz="3000" i="1" dirty="0" smtClean="0"/>
+              <a:t>List&lt;?&gt; </a:t>
+            </a:r>
+            <a:r>
+              <a:rPr lang="en-US" sz="3000" i="1" dirty="0" err="1" smtClean="0"/>
+              <a:t>aList</a:t>
+            </a:r>
+            <a:r>
+              <a:rPr lang="en-US" sz="3000" i="1" dirty="0" smtClean="0"/>
+              <a:t>;</a:t>
+            </a:r>
+            <a:r>
+              <a:rPr lang="en-US" sz="3000" dirty="0" smtClean="0"/>
+              <a:t>)</a:t>
+            </a:r>
+            <a:endParaRPr lang="en-US" sz="3000" b="1" dirty="0" smtClean="0"/>
           </a:p>
         </p:txBody>
       </p:sp>
@@ -8006,7 +7894,7 @@
     </p:spTree>
     <p:extLst>
       <p:ext uri="{BB962C8B-B14F-4D97-AF65-F5344CB8AC3E}">
-        <p14:creationId xmlns:p14="http://schemas.microsoft.com/office/powerpoint/2010/main" val="2025066863"/>
+        <p14:creationId xmlns:p14="http://schemas.microsoft.com/office/powerpoint/2010/main" val="30900463"/>
       </p:ext>
     </p:extLst>
   </p:cSld>
